--- a/images/jemma-arch.pptx
+++ b/images/jemma-arch.pptx
@@ -7,14 +7,14 @@
   <p:sldIdLst>
     <p:sldId id="256" r:id="rId2"/>
   </p:sldIdLst>
-  <p:sldSz cx="9001125" cy="6840538"/>
+  <p:sldSz cx="7561263" cy="4679950"/>
   <p:notesSz cx="6858000" cy="9144000"/>
   <p:defaultTextStyle>
     <a:defPPr>
       <a:defRPr lang="en-US"/>
     </a:defPPr>
-    <a:lvl1pPr marL="0" algn="l" defTabSz="905091" rtl="0" eaLnBrk="1" latinLnBrk="0" hangingPunct="1">
-      <a:defRPr sz="1800" kern="1200">
+    <a:lvl1pPr marL="0" algn="l" defTabSz="791955" rtl="0" eaLnBrk="1" latinLnBrk="0" hangingPunct="1">
+      <a:defRPr sz="1600" kern="1200">
         <a:solidFill>
           <a:schemeClr val="tx1"/>
         </a:solidFill>
@@ -23,8 +23,8 @@
         <a:cs typeface="+mn-cs"/>
       </a:defRPr>
     </a:lvl1pPr>
-    <a:lvl2pPr marL="452546" algn="l" defTabSz="905091" rtl="0" eaLnBrk="1" latinLnBrk="0" hangingPunct="1">
-      <a:defRPr sz="1800" kern="1200">
+    <a:lvl2pPr marL="395978" algn="l" defTabSz="791955" rtl="0" eaLnBrk="1" latinLnBrk="0" hangingPunct="1">
+      <a:defRPr sz="1600" kern="1200">
         <a:solidFill>
           <a:schemeClr val="tx1"/>
         </a:solidFill>
@@ -33,8 +33,8 @@
         <a:cs typeface="+mn-cs"/>
       </a:defRPr>
     </a:lvl2pPr>
-    <a:lvl3pPr marL="905091" algn="l" defTabSz="905091" rtl="0" eaLnBrk="1" latinLnBrk="0" hangingPunct="1">
-      <a:defRPr sz="1800" kern="1200">
+    <a:lvl3pPr marL="791955" algn="l" defTabSz="791955" rtl="0" eaLnBrk="1" latinLnBrk="0" hangingPunct="1">
+      <a:defRPr sz="1600" kern="1200">
         <a:solidFill>
           <a:schemeClr val="tx1"/>
         </a:solidFill>
@@ -43,8 +43,8 @@
         <a:cs typeface="+mn-cs"/>
       </a:defRPr>
     </a:lvl3pPr>
-    <a:lvl4pPr marL="1357637" algn="l" defTabSz="905091" rtl="0" eaLnBrk="1" latinLnBrk="0" hangingPunct="1">
-      <a:defRPr sz="1800" kern="1200">
+    <a:lvl4pPr marL="1187932" algn="l" defTabSz="791955" rtl="0" eaLnBrk="1" latinLnBrk="0" hangingPunct="1">
+      <a:defRPr sz="1600" kern="1200">
         <a:solidFill>
           <a:schemeClr val="tx1"/>
         </a:solidFill>
@@ -53,8 +53,8 @@
         <a:cs typeface="+mn-cs"/>
       </a:defRPr>
     </a:lvl4pPr>
-    <a:lvl5pPr marL="1810183" algn="l" defTabSz="905091" rtl="0" eaLnBrk="1" latinLnBrk="0" hangingPunct="1">
-      <a:defRPr sz="1800" kern="1200">
+    <a:lvl5pPr marL="1583910" algn="l" defTabSz="791955" rtl="0" eaLnBrk="1" latinLnBrk="0" hangingPunct="1">
+      <a:defRPr sz="1600" kern="1200">
         <a:solidFill>
           <a:schemeClr val="tx1"/>
         </a:solidFill>
@@ -63,8 +63,8 @@
         <a:cs typeface="+mn-cs"/>
       </a:defRPr>
     </a:lvl5pPr>
-    <a:lvl6pPr marL="2262729" algn="l" defTabSz="905091" rtl="0" eaLnBrk="1" latinLnBrk="0" hangingPunct="1">
-      <a:defRPr sz="1800" kern="1200">
+    <a:lvl6pPr marL="1979888" algn="l" defTabSz="791955" rtl="0" eaLnBrk="1" latinLnBrk="0" hangingPunct="1">
+      <a:defRPr sz="1600" kern="1200">
         <a:solidFill>
           <a:schemeClr val="tx1"/>
         </a:solidFill>
@@ -73,8 +73,8 @@
         <a:cs typeface="+mn-cs"/>
       </a:defRPr>
     </a:lvl6pPr>
-    <a:lvl7pPr marL="2715274" algn="l" defTabSz="905091" rtl="0" eaLnBrk="1" latinLnBrk="0" hangingPunct="1">
-      <a:defRPr sz="1800" kern="1200">
+    <a:lvl7pPr marL="2375865" algn="l" defTabSz="791955" rtl="0" eaLnBrk="1" latinLnBrk="0" hangingPunct="1">
+      <a:defRPr sz="1600" kern="1200">
         <a:solidFill>
           <a:schemeClr val="tx1"/>
         </a:solidFill>
@@ -83,8 +83,8 @@
         <a:cs typeface="+mn-cs"/>
       </a:defRPr>
     </a:lvl7pPr>
-    <a:lvl8pPr marL="3167820" algn="l" defTabSz="905091" rtl="0" eaLnBrk="1" latinLnBrk="0" hangingPunct="1">
-      <a:defRPr sz="1800" kern="1200">
+    <a:lvl8pPr marL="2771843" algn="l" defTabSz="791955" rtl="0" eaLnBrk="1" latinLnBrk="0" hangingPunct="1">
+      <a:defRPr sz="1600" kern="1200">
         <a:solidFill>
           <a:schemeClr val="tx1"/>
         </a:solidFill>
@@ -93,8 +93,8 @@
         <a:cs typeface="+mn-cs"/>
       </a:defRPr>
     </a:lvl8pPr>
-    <a:lvl9pPr marL="3620366" algn="l" defTabSz="905091" rtl="0" eaLnBrk="1" latinLnBrk="0" hangingPunct="1">
-      <a:defRPr sz="1800" kern="1200">
+    <a:lvl9pPr marL="3167820" algn="l" defTabSz="791955" rtl="0" eaLnBrk="1" latinLnBrk="0" hangingPunct="1">
+      <a:defRPr sz="1600" kern="1200">
         <a:solidFill>
           <a:schemeClr val="tx1"/>
         </a:solidFill>
@@ -136,8 +136,8 @@
         </p:nvSpPr>
         <p:spPr>
           <a:xfrm>
-            <a:off x="675085" y="2125001"/>
-            <a:ext cx="7650957" cy="1466282"/>
+            <a:off x="567098" y="1453819"/>
+            <a:ext cx="6427074" cy="1003156"/>
           </a:xfrm>
         </p:spPr>
         <p:txBody>
@@ -164,8 +164,8 @@
         </p:nvSpPr>
         <p:spPr>
           <a:xfrm>
-            <a:off x="1350169" y="3876305"/>
-            <a:ext cx="6300788" cy="1748137"/>
+            <a:off x="1134189" y="2651974"/>
+            <a:ext cx="5292885" cy="1195987"/>
           </a:xfrm>
         </p:spPr>
         <p:txBody>
@@ -181,7 +181,7 @@
                 </a:solidFill>
               </a:defRPr>
             </a:lvl1pPr>
-            <a:lvl2pPr marL="452546" indent="0" algn="ctr">
+            <a:lvl2pPr marL="395978" indent="0" algn="ctr">
               <a:buNone/>
               <a:defRPr>
                 <a:solidFill>
@@ -191,7 +191,7 @@
                 </a:solidFill>
               </a:defRPr>
             </a:lvl2pPr>
-            <a:lvl3pPr marL="905091" indent="0" algn="ctr">
+            <a:lvl3pPr marL="791955" indent="0" algn="ctr">
               <a:buNone/>
               <a:defRPr>
                 <a:solidFill>
@@ -201,7 +201,7 @@
                 </a:solidFill>
               </a:defRPr>
             </a:lvl3pPr>
-            <a:lvl4pPr marL="1357637" indent="0" algn="ctr">
+            <a:lvl4pPr marL="1187932" indent="0" algn="ctr">
               <a:buNone/>
               <a:defRPr>
                 <a:solidFill>
@@ -211,7 +211,7 @@
                 </a:solidFill>
               </a:defRPr>
             </a:lvl4pPr>
-            <a:lvl5pPr marL="1810183" indent="0" algn="ctr">
+            <a:lvl5pPr marL="1583910" indent="0" algn="ctr">
               <a:buNone/>
               <a:defRPr>
                 <a:solidFill>
@@ -221,7 +221,7 @@
                 </a:solidFill>
               </a:defRPr>
             </a:lvl5pPr>
-            <a:lvl6pPr marL="2262729" indent="0" algn="ctr">
+            <a:lvl6pPr marL="1979888" indent="0" algn="ctr">
               <a:buNone/>
               <a:defRPr>
                 <a:solidFill>
@@ -231,7 +231,7 @@
                 </a:solidFill>
               </a:defRPr>
             </a:lvl6pPr>
-            <a:lvl7pPr marL="2715274" indent="0" algn="ctr">
+            <a:lvl7pPr marL="2375865" indent="0" algn="ctr">
               <a:buNone/>
               <a:defRPr>
                 <a:solidFill>
@@ -241,7 +241,7 @@
                 </a:solidFill>
               </a:defRPr>
             </a:lvl7pPr>
-            <a:lvl8pPr marL="3167820" indent="0" algn="ctr">
+            <a:lvl8pPr marL="2771843" indent="0" algn="ctr">
               <a:buNone/>
               <a:defRPr>
                 <a:solidFill>
@@ -251,7 +251,7 @@
                 </a:solidFill>
               </a:defRPr>
             </a:lvl8pPr>
-            <a:lvl9pPr marL="3620366" indent="0" algn="ctr">
+            <a:lvl9pPr marL="3167820" indent="0" algn="ctr">
               <a:buNone/>
               <a:defRPr>
                 <a:solidFill>
@@ -288,7 +288,7 @@
           <a:p>
             <a:fld id="{F4A20F2C-4B98-473C-A19A-4F71A5107372}" type="datetimeFigureOut">
               <a:rPr lang="en-US" smtClean="0"/>
-              <a:t>10/7/2013</a:t>
+              <a:t>10/8/2013</a:t>
             </a:fld>
             <a:endParaRPr lang="en-US"/>
           </a:p>
@@ -458,7 +458,7 @@
           <a:p>
             <a:fld id="{F4A20F2C-4B98-473C-A19A-4F71A5107372}" type="datetimeFigureOut">
               <a:rPr lang="en-US" smtClean="0"/>
-              <a:t>10/7/2013</a:t>
+              <a:t>10/8/2013</a:t>
             </a:fld>
             <a:endParaRPr lang="en-US"/>
           </a:p>
@@ -548,8 +548,8 @@
         </p:nvSpPr>
         <p:spPr>
           <a:xfrm>
-            <a:off x="12848482" y="574796"/>
-            <a:ext cx="3986436" cy="12257547"/>
+            <a:off x="10793180" y="393249"/>
+            <a:ext cx="3348747" cy="8385993"/>
           </a:xfrm>
         </p:spPr>
         <p:txBody>
@@ -576,8 +576,8 @@
         </p:nvSpPr>
         <p:spPr>
           <a:xfrm>
-            <a:off x="886048" y="574796"/>
-            <a:ext cx="11812414" cy="12257547"/>
+            <a:off x="744312" y="393249"/>
+            <a:ext cx="9922845" cy="8385993"/>
           </a:xfrm>
         </p:spPr>
         <p:txBody>
@@ -638,7 +638,7 @@
           <a:p>
             <a:fld id="{F4A20F2C-4B98-473C-A19A-4F71A5107372}" type="datetimeFigureOut">
               <a:rPr lang="en-US" smtClean="0"/>
-              <a:t>10/7/2013</a:t>
+              <a:t>10/8/2013</a:t>
             </a:fld>
             <a:endParaRPr lang="en-US"/>
           </a:p>
@@ -808,7 +808,7 @@
           <a:p>
             <a:fld id="{F4A20F2C-4B98-473C-A19A-4F71A5107372}" type="datetimeFigureOut">
               <a:rPr lang="en-US" smtClean="0"/>
-              <a:t>10/7/2013</a:t>
+              <a:t>10/8/2013</a:t>
             </a:fld>
             <a:endParaRPr lang="en-US"/>
           </a:p>
@@ -898,15 +898,15 @@
         </p:nvSpPr>
         <p:spPr>
           <a:xfrm>
-            <a:off x="711027" y="4395680"/>
-            <a:ext cx="7650957" cy="1358607"/>
+            <a:off x="597291" y="3007302"/>
+            <a:ext cx="6427074" cy="929490"/>
           </a:xfrm>
         </p:spPr>
         <p:txBody>
           <a:bodyPr anchor="t"/>
           <a:lstStyle>
             <a:lvl1pPr algn="l">
-              <a:defRPr sz="4000" b="1" cap="all"/>
+              <a:defRPr sz="3500" b="1" cap="all"/>
             </a:lvl1pPr>
           </a:lstStyle>
           <a:p>
@@ -930,8 +930,8 @@
         </p:nvSpPr>
         <p:spPr>
           <a:xfrm>
-            <a:off x="711027" y="2899313"/>
-            <a:ext cx="7650957" cy="1496367"/>
+            <a:off x="597291" y="1983565"/>
+            <a:ext cx="6427074" cy="1023739"/>
           </a:xfrm>
         </p:spPr>
         <p:txBody>
@@ -939,7 +939,7 @@
           <a:lstStyle>
             <a:lvl1pPr marL="0" indent="0">
               <a:buNone/>
-              <a:defRPr sz="2000">
+              <a:defRPr sz="1800">
                 <a:solidFill>
                   <a:schemeClr val="tx1">
                     <a:tint val="75000"/>
@@ -947,9 +947,9 @@
                 </a:solidFill>
               </a:defRPr>
             </a:lvl1pPr>
-            <a:lvl2pPr marL="452546" indent="0">
-              <a:buNone/>
-              <a:defRPr sz="1800">
+            <a:lvl2pPr marL="395978" indent="0">
+              <a:buNone/>
+              <a:defRPr sz="1600">
                 <a:solidFill>
                   <a:schemeClr val="tx1">
                     <a:tint val="75000"/>
@@ -957,9 +957,9 @@
                 </a:solidFill>
               </a:defRPr>
             </a:lvl2pPr>
-            <a:lvl3pPr marL="905091" indent="0">
-              <a:buNone/>
-              <a:defRPr sz="1600">
+            <a:lvl3pPr marL="791955" indent="0">
+              <a:buNone/>
+              <a:defRPr sz="1400">
                 <a:solidFill>
                   <a:schemeClr val="tx1">
                     <a:tint val="75000"/>
@@ -967,9 +967,9 @@
                 </a:solidFill>
               </a:defRPr>
             </a:lvl3pPr>
-            <a:lvl4pPr marL="1357637" indent="0">
-              <a:buNone/>
-              <a:defRPr sz="1400">
+            <a:lvl4pPr marL="1187932" indent="0">
+              <a:buNone/>
+              <a:defRPr sz="1200">
                 <a:solidFill>
                   <a:schemeClr val="tx1">
                     <a:tint val="75000"/>
@@ -977,9 +977,9 @@
                 </a:solidFill>
               </a:defRPr>
             </a:lvl4pPr>
-            <a:lvl5pPr marL="1810183" indent="0">
-              <a:buNone/>
-              <a:defRPr sz="1400">
+            <a:lvl5pPr marL="1583910" indent="0">
+              <a:buNone/>
+              <a:defRPr sz="1200">
                 <a:solidFill>
                   <a:schemeClr val="tx1">
                     <a:tint val="75000"/>
@@ -987,9 +987,9 @@
                 </a:solidFill>
               </a:defRPr>
             </a:lvl5pPr>
-            <a:lvl6pPr marL="2262729" indent="0">
-              <a:buNone/>
-              <a:defRPr sz="1400">
+            <a:lvl6pPr marL="1979888" indent="0">
+              <a:buNone/>
+              <a:defRPr sz="1200">
                 <a:solidFill>
                   <a:schemeClr val="tx1">
                     <a:tint val="75000"/>
@@ -997,9 +997,9 @@
                 </a:solidFill>
               </a:defRPr>
             </a:lvl6pPr>
-            <a:lvl7pPr marL="2715274" indent="0">
-              <a:buNone/>
-              <a:defRPr sz="1400">
+            <a:lvl7pPr marL="2375865" indent="0">
+              <a:buNone/>
+              <a:defRPr sz="1200">
                 <a:solidFill>
                   <a:schemeClr val="tx1">
                     <a:tint val="75000"/>
@@ -1007,9 +1007,9 @@
                 </a:solidFill>
               </a:defRPr>
             </a:lvl7pPr>
-            <a:lvl8pPr marL="3167820" indent="0">
-              <a:buNone/>
-              <a:defRPr sz="1400">
+            <a:lvl8pPr marL="2771843" indent="0">
+              <a:buNone/>
+              <a:defRPr sz="1200">
                 <a:solidFill>
                   <a:schemeClr val="tx1">
                     <a:tint val="75000"/>
@@ -1017,9 +1017,9 @@
                 </a:solidFill>
               </a:defRPr>
             </a:lvl8pPr>
-            <a:lvl9pPr marL="3620366" indent="0">
-              <a:buNone/>
-              <a:defRPr sz="1400">
+            <a:lvl9pPr marL="3167820" indent="0">
+              <a:buNone/>
+              <a:defRPr sz="1200">
                 <a:solidFill>
                   <a:schemeClr val="tx1">
                     <a:tint val="75000"/>
@@ -1054,7 +1054,7 @@
           <a:p>
             <a:fld id="{F4A20F2C-4B98-473C-A19A-4F71A5107372}" type="datetimeFigureOut">
               <a:rPr lang="en-US" smtClean="0"/>
-              <a:t>10/7/2013</a:t>
+              <a:t>10/8/2013</a:t>
             </a:fld>
             <a:endParaRPr lang="en-US"/>
           </a:p>
@@ -1167,39 +1167,39 @@
         </p:nvSpPr>
         <p:spPr>
           <a:xfrm>
-            <a:off x="886049" y="3352181"/>
-            <a:ext cx="7899425" cy="9480162"/>
+            <a:off x="744316" y="2293395"/>
+            <a:ext cx="6635796" cy="6485847"/>
           </a:xfrm>
         </p:spPr>
         <p:txBody>
           <a:bodyPr/>
           <a:lstStyle>
             <a:lvl1pPr>
-              <a:defRPr sz="2800"/>
+              <a:defRPr sz="2500"/>
             </a:lvl1pPr>
             <a:lvl2pPr>
-              <a:defRPr sz="2400"/>
+              <a:defRPr sz="2100"/>
             </a:lvl2pPr>
             <a:lvl3pPr>
-              <a:defRPr sz="2000"/>
+              <a:defRPr sz="1800"/>
             </a:lvl3pPr>
             <a:lvl4pPr>
-              <a:defRPr sz="1800"/>
+              <a:defRPr sz="1600"/>
             </a:lvl4pPr>
             <a:lvl5pPr>
-              <a:defRPr sz="1800"/>
+              <a:defRPr sz="1600"/>
             </a:lvl5pPr>
             <a:lvl6pPr>
-              <a:defRPr sz="1800"/>
+              <a:defRPr sz="1600"/>
             </a:lvl6pPr>
             <a:lvl7pPr>
-              <a:defRPr sz="1800"/>
+              <a:defRPr sz="1600"/>
             </a:lvl7pPr>
             <a:lvl8pPr>
-              <a:defRPr sz="1800"/>
+              <a:defRPr sz="1600"/>
             </a:lvl8pPr>
             <a:lvl9pPr>
-              <a:defRPr sz="1800"/>
+              <a:defRPr sz="1600"/>
             </a:lvl9pPr>
           </a:lstStyle>
           <a:p>
@@ -1252,39 +1252,39 @@
         </p:nvSpPr>
         <p:spPr>
           <a:xfrm>
-            <a:off x="8935492" y="3352181"/>
-            <a:ext cx="7899426" cy="9480162"/>
+            <a:off x="7506129" y="2293395"/>
+            <a:ext cx="6635797" cy="6485847"/>
           </a:xfrm>
         </p:spPr>
         <p:txBody>
           <a:bodyPr/>
           <a:lstStyle>
             <a:lvl1pPr>
-              <a:defRPr sz="2800"/>
+              <a:defRPr sz="2500"/>
             </a:lvl1pPr>
             <a:lvl2pPr>
-              <a:defRPr sz="2400"/>
+              <a:defRPr sz="2100"/>
             </a:lvl2pPr>
             <a:lvl3pPr>
-              <a:defRPr sz="2000"/>
+              <a:defRPr sz="1800"/>
             </a:lvl3pPr>
             <a:lvl4pPr>
-              <a:defRPr sz="1800"/>
+              <a:defRPr sz="1600"/>
             </a:lvl4pPr>
             <a:lvl5pPr>
-              <a:defRPr sz="1800"/>
+              <a:defRPr sz="1600"/>
             </a:lvl5pPr>
             <a:lvl6pPr>
-              <a:defRPr sz="1800"/>
+              <a:defRPr sz="1600"/>
             </a:lvl6pPr>
             <a:lvl7pPr>
-              <a:defRPr sz="1800"/>
+              <a:defRPr sz="1600"/>
             </a:lvl7pPr>
             <a:lvl8pPr>
-              <a:defRPr sz="1800"/>
+              <a:defRPr sz="1600"/>
             </a:lvl8pPr>
             <a:lvl9pPr>
-              <a:defRPr sz="1800"/>
+              <a:defRPr sz="1600"/>
             </a:lvl9pPr>
           </a:lstStyle>
           <a:p>
@@ -1342,7 +1342,7 @@
           <a:p>
             <a:fld id="{F4A20F2C-4B98-473C-A19A-4F71A5107372}" type="datetimeFigureOut">
               <a:rPr lang="en-US" smtClean="0"/>
-              <a:t>10/7/2013</a:t>
+              <a:t>10/8/2013</a:t>
             </a:fld>
             <a:endParaRPr lang="en-US"/>
           </a:p>
@@ -1432,8 +1432,8 @@
         </p:nvSpPr>
         <p:spPr>
           <a:xfrm>
-            <a:off x="450057" y="273939"/>
-            <a:ext cx="8101013" cy="1140090"/>
+            <a:off x="378067" y="187416"/>
+            <a:ext cx="6805137" cy="779992"/>
           </a:xfrm>
         </p:spPr>
         <p:txBody>
@@ -1464,8 +1464,8 @@
         </p:nvSpPr>
         <p:spPr>
           <a:xfrm>
-            <a:off x="450057" y="1531204"/>
-            <a:ext cx="3977060" cy="638133"/>
+            <a:off x="378064" y="1047574"/>
+            <a:ext cx="3340871" cy="436579"/>
           </a:xfrm>
         </p:spPr>
         <p:txBody>
@@ -1473,39 +1473,39 @@
           <a:lstStyle>
             <a:lvl1pPr marL="0" indent="0">
               <a:buNone/>
-              <a:defRPr sz="2400" b="1"/>
+              <a:defRPr sz="2100" b="1"/>
             </a:lvl1pPr>
-            <a:lvl2pPr marL="452546" indent="0">
-              <a:buNone/>
-              <a:defRPr sz="2000" b="1"/>
+            <a:lvl2pPr marL="395978" indent="0">
+              <a:buNone/>
+              <a:defRPr sz="1800" b="1"/>
             </a:lvl2pPr>
-            <a:lvl3pPr marL="905091" indent="0">
-              <a:buNone/>
-              <a:defRPr sz="1800" b="1"/>
+            <a:lvl3pPr marL="791955" indent="0">
+              <a:buNone/>
+              <a:defRPr sz="1600" b="1"/>
             </a:lvl3pPr>
-            <a:lvl4pPr marL="1357637" indent="0">
-              <a:buNone/>
-              <a:defRPr sz="1600" b="1"/>
+            <a:lvl4pPr marL="1187932" indent="0">
+              <a:buNone/>
+              <a:defRPr sz="1400" b="1"/>
             </a:lvl4pPr>
-            <a:lvl5pPr marL="1810183" indent="0">
-              <a:buNone/>
-              <a:defRPr sz="1600" b="1"/>
+            <a:lvl5pPr marL="1583910" indent="0">
+              <a:buNone/>
+              <a:defRPr sz="1400" b="1"/>
             </a:lvl5pPr>
-            <a:lvl6pPr marL="2262729" indent="0">
-              <a:buNone/>
-              <a:defRPr sz="1600" b="1"/>
+            <a:lvl6pPr marL="1979888" indent="0">
+              <a:buNone/>
+              <a:defRPr sz="1400" b="1"/>
             </a:lvl6pPr>
-            <a:lvl7pPr marL="2715274" indent="0">
-              <a:buNone/>
-              <a:defRPr sz="1600" b="1"/>
+            <a:lvl7pPr marL="2375865" indent="0">
+              <a:buNone/>
+              <a:defRPr sz="1400" b="1"/>
             </a:lvl7pPr>
-            <a:lvl8pPr marL="3167820" indent="0">
-              <a:buNone/>
-              <a:defRPr sz="1600" b="1"/>
+            <a:lvl8pPr marL="2771843" indent="0">
+              <a:buNone/>
+              <a:defRPr sz="1400" b="1"/>
             </a:lvl8pPr>
-            <a:lvl9pPr marL="3620366" indent="0">
-              <a:buNone/>
-              <a:defRPr sz="1600" b="1"/>
+            <a:lvl9pPr marL="3167820" indent="0">
+              <a:buNone/>
+              <a:defRPr sz="1400" b="1"/>
             </a:lvl9pPr>
           </a:lstStyle>
           <a:p>
@@ -1529,39 +1529,39 @@
         </p:nvSpPr>
         <p:spPr>
           <a:xfrm>
-            <a:off x="450057" y="2169337"/>
-            <a:ext cx="3977060" cy="3941227"/>
+            <a:off x="378064" y="1484152"/>
+            <a:ext cx="3340871" cy="2696388"/>
           </a:xfrm>
         </p:spPr>
         <p:txBody>
           <a:bodyPr/>
           <a:lstStyle>
             <a:lvl1pPr>
-              <a:defRPr sz="2400"/>
+              <a:defRPr sz="2100"/>
             </a:lvl1pPr>
             <a:lvl2pPr>
-              <a:defRPr sz="2000"/>
+              <a:defRPr sz="1800"/>
             </a:lvl2pPr>
             <a:lvl3pPr>
-              <a:defRPr sz="1800"/>
+              <a:defRPr sz="1600"/>
             </a:lvl3pPr>
             <a:lvl4pPr>
-              <a:defRPr sz="1600"/>
+              <a:defRPr sz="1400"/>
             </a:lvl4pPr>
             <a:lvl5pPr>
-              <a:defRPr sz="1600"/>
+              <a:defRPr sz="1400"/>
             </a:lvl5pPr>
             <a:lvl6pPr>
-              <a:defRPr sz="1600"/>
+              <a:defRPr sz="1400"/>
             </a:lvl6pPr>
             <a:lvl7pPr>
-              <a:defRPr sz="1600"/>
+              <a:defRPr sz="1400"/>
             </a:lvl7pPr>
             <a:lvl8pPr>
-              <a:defRPr sz="1600"/>
+              <a:defRPr sz="1400"/>
             </a:lvl8pPr>
             <a:lvl9pPr>
-              <a:defRPr sz="1600"/>
+              <a:defRPr sz="1400"/>
             </a:lvl9pPr>
           </a:lstStyle>
           <a:p>
@@ -1614,8 +1614,8 @@
         </p:nvSpPr>
         <p:spPr>
           <a:xfrm>
-            <a:off x="4572447" y="1531204"/>
-            <a:ext cx="3978623" cy="638133"/>
+            <a:off x="3841020" y="1047574"/>
+            <a:ext cx="3342184" cy="436579"/>
           </a:xfrm>
         </p:spPr>
         <p:txBody>
@@ -1623,39 +1623,39 @@
           <a:lstStyle>
             <a:lvl1pPr marL="0" indent="0">
               <a:buNone/>
-              <a:defRPr sz="2400" b="1"/>
+              <a:defRPr sz="2100" b="1"/>
             </a:lvl1pPr>
-            <a:lvl2pPr marL="452546" indent="0">
-              <a:buNone/>
-              <a:defRPr sz="2000" b="1"/>
+            <a:lvl2pPr marL="395978" indent="0">
+              <a:buNone/>
+              <a:defRPr sz="1800" b="1"/>
             </a:lvl2pPr>
-            <a:lvl3pPr marL="905091" indent="0">
-              <a:buNone/>
-              <a:defRPr sz="1800" b="1"/>
+            <a:lvl3pPr marL="791955" indent="0">
+              <a:buNone/>
+              <a:defRPr sz="1600" b="1"/>
             </a:lvl3pPr>
-            <a:lvl4pPr marL="1357637" indent="0">
-              <a:buNone/>
-              <a:defRPr sz="1600" b="1"/>
+            <a:lvl4pPr marL="1187932" indent="0">
+              <a:buNone/>
+              <a:defRPr sz="1400" b="1"/>
             </a:lvl4pPr>
-            <a:lvl5pPr marL="1810183" indent="0">
-              <a:buNone/>
-              <a:defRPr sz="1600" b="1"/>
+            <a:lvl5pPr marL="1583910" indent="0">
+              <a:buNone/>
+              <a:defRPr sz="1400" b="1"/>
             </a:lvl5pPr>
-            <a:lvl6pPr marL="2262729" indent="0">
-              <a:buNone/>
-              <a:defRPr sz="1600" b="1"/>
+            <a:lvl6pPr marL="1979888" indent="0">
+              <a:buNone/>
+              <a:defRPr sz="1400" b="1"/>
             </a:lvl6pPr>
-            <a:lvl7pPr marL="2715274" indent="0">
-              <a:buNone/>
-              <a:defRPr sz="1600" b="1"/>
+            <a:lvl7pPr marL="2375865" indent="0">
+              <a:buNone/>
+              <a:defRPr sz="1400" b="1"/>
             </a:lvl7pPr>
-            <a:lvl8pPr marL="3167820" indent="0">
-              <a:buNone/>
-              <a:defRPr sz="1600" b="1"/>
+            <a:lvl8pPr marL="2771843" indent="0">
+              <a:buNone/>
+              <a:defRPr sz="1400" b="1"/>
             </a:lvl8pPr>
-            <a:lvl9pPr marL="3620366" indent="0">
-              <a:buNone/>
-              <a:defRPr sz="1600" b="1"/>
+            <a:lvl9pPr marL="3167820" indent="0">
+              <a:buNone/>
+              <a:defRPr sz="1400" b="1"/>
             </a:lvl9pPr>
           </a:lstStyle>
           <a:p>
@@ -1679,39 +1679,39 @@
         </p:nvSpPr>
         <p:spPr>
           <a:xfrm>
-            <a:off x="4572447" y="2169337"/>
-            <a:ext cx="3978623" cy="3941227"/>
+            <a:off x="3841020" y="1484152"/>
+            <a:ext cx="3342184" cy="2696388"/>
           </a:xfrm>
         </p:spPr>
         <p:txBody>
           <a:bodyPr/>
           <a:lstStyle>
             <a:lvl1pPr>
-              <a:defRPr sz="2400"/>
+              <a:defRPr sz="2100"/>
             </a:lvl1pPr>
             <a:lvl2pPr>
-              <a:defRPr sz="2000"/>
+              <a:defRPr sz="1800"/>
             </a:lvl2pPr>
             <a:lvl3pPr>
-              <a:defRPr sz="1800"/>
+              <a:defRPr sz="1600"/>
             </a:lvl3pPr>
             <a:lvl4pPr>
-              <a:defRPr sz="1600"/>
+              <a:defRPr sz="1400"/>
             </a:lvl4pPr>
             <a:lvl5pPr>
-              <a:defRPr sz="1600"/>
+              <a:defRPr sz="1400"/>
             </a:lvl5pPr>
             <a:lvl6pPr>
-              <a:defRPr sz="1600"/>
+              <a:defRPr sz="1400"/>
             </a:lvl6pPr>
             <a:lvl7pPr>
-              <a:defRPr sz="1600"/>
+              <a:defRPr sz="1400"/>
             </a:lvl7pPr>
             <a:lvl8pPr>
-              <a:defRPr sz="1600"/>
+              <a:defRPr sz="1400"/>
             </a:lvl8pPr>
             <a:lvl9pPr>
-              <a:defRPr sz="1600"/>
+              <a:defRPr sz="1400"/>
             </a:lvl9pPr>
           </a:lstStyle>
           <a:p>
@@ -1769,7 +1769,7 @@
           <a:p>
             <a:fld id="{F4A20F2C-4B98-473C-A19A-4F71A5107372}" type="datetimeFigureOut">
               <a:rPr lang="en-US" smtClean="0"/>
-              <a:t>10/7/2013</a:t>
+              <a:t>10/8/2013</a:t>
             </a:fld>
             <a:endParaRPr lang="en-US"/>
           </a:p>
@@ -1887,7 +1887,7 @@
           <a:p>
             <a:fld id="{F4A20F2C-4B98-473C-A19A-4F71A5107372}" type="datetimeFigureOut">
               <a:rPr lang="en-US" smtClean="0"/>
-              <a:t>10/7/2013</a:t>
+              <a:t>10/8/2013</a:t>
             </a:fld>
             <a:endParaRPr lang="en-US"/>
           </a:p>
@@ -1982,7 +1982,7 @@
           <a:p>
             <a:fld id="{F4A20F2C-4B98-473C-A19A-4F71A5107372}" type="datetimeFigureOut">
               <a:rPr lang="en-US" smtClean="0"/>
-              <a:t>10/7/2013</a:t>
+              <a:t>10/8/2013</a:t>
             </a:fld>
             <a:endParaRPr lang="en-US"/>
           </a:p>
@@ -2072,15 +2072,15 @@
         </p:nvSpPr>
         <p:spPr>
           <a:xfrm>
-            <a:off x="450057" y="272355"/>
-            <a:ext cx="2961308" cy="1159091"/>
+            <a:off x="378064" y="186333"/>
+            <a:ext cx="2487603" cy="792991"/>
           </a:xfrm>
         </p:spPr>
         <p:txBody>
           <a:bodyPr anchor="b"/>
           <a:lstStyle>
             <a:lvl1pPr algn="l">
-              <a:defRPr sz="2000" b="1"/>
+              <a:defRPr sz="1800" b="1"/>
             </a:lvl1pPr>
           </a:lstStyle>
           <a:p>
@@ -2104,39 +2104,39 @@
         </p:nvSpPr>
         <p:spPr>
           <a:xfrm>
-            <a:off x="3519190" y="272355"/>
-            <a:ext cx="5031879" cy="5838210"/>
+            <a:off x="2956246" y="186332"/>
+            <a:ext cx="4226957" cy="3994208"/>
           </a:xfrm>
         </p:spPr>
         <p:txBody>
           <a:bodyPr/>
           <a:lstStyle>
             <a:lvl1pPr>
-              <a:defRPr sz="3200"/>
+              <a:defRPr sz="2800"/>
             </a:lvl1pPr>
             <a:lvl2pPr>
-              <a:defRPr sz="2800"/>
+              <a:defRPr sz="2500"/>
             </a:lvl2pPr>
             <a:lvl3pPr>
-              <a:defRPr sz="2400"/>
+              <a:defRPr sz="2100"/>
             </a:lvl3pPr>
             <a:lvl4pPr>
-              <a:defRPr sz="2000"/>
+              <a:defRPr sz="1800"/>
             </a:lvl4pPr>
             <a:lvl5pPr>
-              <a:defRPr sz="2000"/>
+              <a:defRPr sz="1800"/>
             </a:lvl5pPr>
             <a:lvl6pPr>
-              <a:defRPr sz="2000"/>
+              <a:defRPr sz="1800"/>
             </a:lvl6pPr>
             <a:lvl7pPr>
-              <a:defRPr sz="2000"/>
+              <a:defRPr sz="1800"/>
             </a:lvl7pPr>
             <a:lvl8pPr>
-              <a:defRPr sz="2000"/>
+              <a:defRPr sz="1800"/>
             </a:lvl8pPr>
             <a:lvl9pPr>
-              <a:defRPr sz="2000"/>
+              <a:defRPr sz="1800"/>
             </a:lvl9pPr>
           </a:lstStyle>
           <a:p>
@@ -2189,8 +2189,8 @@
         </p:nvSpPr>
         <p:spPr>
           <a:xfrm>
-            <a:off x="450057" y="1431447"/>
-            <a:ext cx="2961308" cy="4679118"/>
+            <a:off x="378064" y="979324"/>
+            <a:ext cx="2487603" cy="3201216"/>
           </a:xfrm>
         </p:spPr>
         <p:txBody>
@@ -2198,39 +2198,39 @@
           <a:lstStyle>
             <a:lvl1pPr marL="0" indent="0">
               <a:buNone/>
-              <a:defRPr sz="1400"/>
+              <a:defRPr sz="1200"/>
             </a:lvl1pPr>
-            <a:lvl2pPr marL="452546" indent="0">
-              <a:buNone/>
-              <a:defRPr sz="1200"/>
+            <a:lvl2pPr marL="395978" indent="0">
+              <a:buNone/>
+              <a:defRPr sz="1100"/>
             </a:lvl2pPr>
-            <a:lvl3pPr marL="905091" indent="0">
-              <a:buNone/>
-              <a:defRPr sz="1000"/>
+            <a:lvl3pPr marL="791955" indent="0">
+              <a:buNone/>
+              <a:defRPr sz="900"/>
             </a:lvl3pPr>
-            <a:lvl4pPr marL="1357637" indent="0">
-              <a:buNone/>
-              <a:defRPr sz="900"/>
+            <a:lvl4pPr marL="1187932" indent="0">
+              <a:buNone/>
+              <a:defRPr sz="800"/>
             </a:lvl4pPr>
-            <a:lvl5pPr marL="1810183" indent="0">
-              <a:buNone/>
-              <a:defRPr sz="900"/>
+            <a:lvl5pPr marL="1583910" indent="0">
+              <a:buNone/>
+              <a:defRPr sz="800"/>
             </a:lvl5pPr>
-            <a:lvl6pPr marL="2262729" indent="0">
-              <a:buNone/>
-              <a:defRPr sz="900"/>
+            <a:lvl6pPr marL="1979888" indent="0">
+              <a:buNone/>
+              <a:defRPr sz="800"/>
             </a:lvl6pPr>
-            <a:lvl7pPr marL="2715274" indent="0">
-              <a:buNone/>
-              <a:defRPr sz="900"/>
+            <a:lvl7pPr marL="2375865" indent="0">
+              <a:buNone/>
+              <a:defRPr sz="800"/>
             </a:lvl7pPr>
-            <a:lvl8pPr marL="3167820" indent="0">
-              <a:buNone/>
-              <a:defRPr sz="900"/>
+            <a:lvl8pPr marL="2771843" indent="0">
+              <a:buNone/>
+              <a:defRPr sz="800"/>
             </a:lvl8pPr>
-            <a:lvl9pPr marL="3620366" indent="0">
-              <a:buNone/>
-              <a:defRPr sz="900"/>
+            <a:lvl9pPr marL="3167820" indent="0">
+              <a:buNone/>
+              <a:defRPr sz="800"/>
             </a:lvl9pPr>
           </a:lstStyle>
           <a:p>
@@ -2259,7 +2259,7 @@
           <a:p>
             <a:fld id="{F4A20F2C-4B98-473C-A19A-4F71A5107372}" type="datetimeFigureOut">
               <a:rPr lang="en-US" smtClean="0"/>
-              <a:t>10/7/2013</a:t>
+              <a:t>10/8/2013</a:t>
             </a:fld>
             <a:endParaRPr lang="en-US"/>
           </a:p>
@@ -2349,15 +2349,15 @@
         </p:nvSpPr>
         <p:spPr>
           <a:xfrm>
-            <a:off x="1764284" y="4788377"/>
-            <a:ext cx="5400675" cy="565295"/>
+            <a:off x="1482064" y="3275966"/>
+            <a:ext cx="4536758" cy="386746"/>
           </a:xfrm>
         </p:spPr>
         <p:txBody>
           <a:bodyPr anchor="b"/>
           <a:lstStyle>
             <a:lvl1pPr algn="l">
-              <a:defRPr sz="2000" b="1"/>
+              <a:defRPr sz="1800" b="1"/>
             </a:lvl1pPr>
           </a:lstStyle>
           <a:p>
@@ -2381,8 +2381,8 @@
         </p:nvSpPr>
         <p:spPr>
           <a:xfrm>
-            <a:off x="1764284" y="611215"/>
-            <a:ext cx="5400675" cy="4104323"/>
+            <a:off x="1482064" y="418163"/>
+            <a:ext cx="4536758" cy="2807970"/>
           </a:xfrm>
         </p:spPr>
         <p:txBody>
@@ -2390,39 +2390,39 @@
           <a:lstStyle>
             <a:lvl1pPr marL="0" indent="0">
               <a:buNone/>
-              <a:defRPr sz="3200"/>
+              <a:defRPr sz="2800"/>
             </a:lvl1pPr>
-            <a:lvl2pPr marL="452546" indent="0">
-              <a:buNone/>
-              <a:defRPr sz="2800"/>
+            <a:lvl2pPr marL="395978" indent="0">
+              <a:buNone/>
+              <a:defRPr sz="2500"/>
             </a:lvl2pPr>
-            <a:lvl3pPr marL="905091" indent="0">
-              <a:buNone/>
-              <a:defRPr sz="2400"/>
+            <a:lvl3pPr marL="791955" indent="0">
+              <a:buNone/>
+              <a:defRPr sz="2100"/>
             </a:lvl3pPr>
-            <a:lvl4pPr marL="1357637" indent="0">
-              <a:buNone/>
-              <a:defRPr sz="2000"/>
+            <a:lvl4pPr marL="1187932" indent="0">
+              <a:buNone/>
+              <a:defRPr sz="1800"/>
             </a:lvl4pPr>
-            <a:lvl5pPr marL="1810183" indent="0">
-              <a:buNone/>
-              <a:defRPr sz="2000"/>
+            <a:lvl5pPr marL="1583910" indent="0">
+              <a:buNone/>
+              <a:defRPr sz="1800"/>
             </a:lvl5pPr>
-            <a:lvl6pPr marL="2262729" indent="0">
-              <a:buNone/>
-              <a:defRPr sz="2000"/>
+            <a:lvl6pPr marL="1979888" indent="0">
+              <a:buNone/>
+              <a:defRPr sz="1800"/>
             </a:lvl6pPr>
-            <a:lvl7pPr marL="2715274" indent="0">
-              <a:buNone/>
-              <a:defRPr sz="2000"/>
+            <a:lvl7pPr marL="2375865" indent="0">
+              <a:buNone/>
+              <a:defRPr sz="1800"/>
             </a:lvl7pPr>
-            <a:lvl8pPr marL="3167820" indent="0">
-              <a:buNone/>
-              <a:defRPr sz="2000"/>
+            <a:lvl8pPr marL="2771843" indent="0">
+              <a:buNone/>
+              <a:defRPr sz="1800"/>
             </a:lvl8pPr>
-            <a:lvl9pPr marL="3620366" indent="0">
-              <a:buNone/>
-              <a:defRPr sz="2000"/>
+            <a:lvl9pPr marL="3167820" indent="0">
+              <a:buNone/>
+              <a:defRPr sz="1800"/>
             </a:lvl9pPr>
           </a:lstStyle>
           <a:p>
@@ -2442,8 +2442,8 @@
         </p:nvSpPr>
         <p:spPr>
           <a:xfrm>
-            <a:off x="1764284" y="5353671"/>
-            <a:ext cx="5400675" cy="802813"/>
+            <a:off x="1482064" y="3662711"/>
+            <a:ext cx="4536758" cy="549244"/>
           </a:xfrm>
         </p:spPr>
         <p:txBody>
@@ -2451,39 +2451,39 @@
           <a:lstStyle>
             <a:lvl1pPr marL="0" indent="0">
               <a:buNone/>
-              <a:defRPr sz="1400"/>
+              <a:defRPr sz="1200"/>
             </a:lvl1pPr>
-            <a:lvl2pPr marL="452546" indent="0">
-              <a:buNone/>
-              <a:defRPr sz="1200"/>
+            <a:lvl2pPr marL="395978" indent="0">
+              <a:buNone/>
+              <a:defRPr sz="1100"/>
             </a:lvl2pPr>
-            <a:lvl3pPr marL="905091" indent="0">
-              <a:buNone/>
-              <a:defRPr sz="1000"/>
+            <a:lvl3pPr marL="791955" indent="0">
+              <a:buNone/>
+              <a:defRPr sz="900"/>
             </a:lvl3pPr>
-            <a:lvl4pPr marL="1357637" indent="0">
-              <a:buNone/>
-              <a:defRPr sz="900"/>
+            <a:lvl4pPr marL="1187932" indent="0">
+              <a:buNone/>
+              <a:defRPr sz="800"/>
             </a:lvl4pPr>
-            <a:lvl5pPr marL="1810183" indent="0">
-              <a:buNone/>
-              <a:defRPr sz="900"/>
+            <a:lvl5pPr marL="1583910" indent="0">
+              <a:buNone/>
+              <a:defRPr sz="800"/>
             </a:lvl5pPr>
-            <a:lvl6pPr marL="2262729" indent="0">
-              <a:buNone/>
-              <a:defRPr sz="900"/>
+            <a:lvl6pPr marL="1979888" indent="0">
+              <a:buNone/>
+              <a:defRPr sz="800"/>
             </a:lvl6pPr>
-            <a:lvl7pPr marL="2715274" indent="0">
-              <a:buNone/>
-              <a:defRPr sz="900"/>
+            <a:lvl7pPr marL="2375865" indent="0">
+              <a:buNone/>
+              <a:defRPr sz="800"/>
             </a:lvl7pPr>
-            <a:lvl8pPr marL="3167820" indent="0">
-              <a:buNone/>
-              <a:defRPr sz="900"/>
+            <a:lvl8pPr marL="2771843" indent="0">
+              <a:buNone/>
+              <a:defRPr sz="800"/>
             </a:lvl8pPr>
-            <a:lvl9pPr marL="3620366" indent="0">
-              <a:buNone/>
-              <a:defRPr sz="900"/>
+            <a:lvl9pPr marL="3167820" indent="0">
+              <a:buNone/>
+              <a:defRPr sz="800"/>
             </a:lvl9pPr>
           </a:lstStyle>
           <a:p>
@@ -2512,7 +2512,7 @@
           <a:p>
             <a:fld id="{F4A20F2C-4B98-473C-A19A-4F71A5107372}" type="datetimeFigureOut">
               <a:rPr lang="en-US" smtClean="0"/>
-              <a:t>10/7/2013</a:t>
+              <a:t>10/8/2013</a:t>
             </a:fld>
             <a:endParaRPr lang="en-US"/>
           </a:p>
@@ -2607,15 +2607,15 @@
         </p:nvSpPr>
         <p:spPr>
           <a:xfrm>
-            <a:off x="450057" y="273939"/>
-            <a:ext cx="8101013" cy="1140090"/>
+            <a:off x="378067" y="187416"/>
+            <a:ext cx="6805137" cy="779992"/>
           </a:xfrm>
           <a:prstGeom prst="rect">
             <a:avLst/>
           </a:prstGeom>
         </p:spPr>
         <p:txBody>
-          <a:bodyPr vert="horz" lIns="90509" tIns="45255" rIns="90509" bIns="45255" rtlCol="0" anchor="ctr">
+          <a:bodyPr vert="horz" lIns="79195" tIns="39598" rIns="79195" bIns="39598" rtlCol="0" anchor="ctr">
             <a:normAutofit/>
           </a:bodyPr>
           <a:lstStyle/>
@@ -2640,15 +2640,15 @@
         </p:nvSpPr>
         <p:spPr>
           <a:xfrm>
-            <a:off x="450057" y="1596126"/>
-            <a:ext cx="8101013" cy="4514439"/>
+            <a:off x="378067" y="1091991"/>
+            <a:ext cx="6805137" cy="3088551"/>
           </a:xfrm>
           <a:prstGeom prst="rect">
             <a:avLst/>
           </a:prstGeom>
         </p:spPr>
         <p:txBody>
-          <a:bodyPr vert="horz" lIns="90509" tIns="45255" rIns="90509" bIns="45255" rtlCol="0">
+          <a:bodyPr vert="horz" lIns="79195" tIns="39598" rIns="79195" bIns="39598" rtlCol="0">
             <a:normAutofit/>
           </a:bodyPr>
           <a:lstStyle/>
@@ -2702,18 +2702,18 @@
         </p:nvSpPr>
         <p:spPr>
           <a:xfrm>
-            <a:off x="450057" y="6340166"/>
-            <a:ext cx="2100263" cy="364196"/>
+            <a:off x="378067" y="4337622"/>
+            <a:ext cx="1764295" cy="249164"/>
           </a:xfrm>
           <a:prstGeom prst="rect">
             <a:avLst/>
           </a:prstGeom>
         </p:spPr>
         <p:txBody>
-          <a:bodyPr vert="horz" lIns="90509" tIns="45255" rIns="90509" bIns="45255" rtlCol="0" anchor="ctr"/>
+          <a:bodyPr vert="horz" lIns="79195" tIns="39598" rIns="79195" bIns="39598" rtlCol="0" anchor="ctr"/>
           <a:lstStyle>
             <a:lvl1pPr algn="l">
-              <a:defRPr sz="1200">
+              <a:defRPr sz="1100">
                 <a:solidFill>
                   <a:schemeClr val="tx1">
                     <a:tint val="75000"/>
@@ -2725,7 +2725,7 @@
           <a:p>
             <a:fld id="{F4A20F2C-4B98-473C-A19A-4F71A5107372}" type="datetimeFigureOut">
               <a:rPr lang="en-US" smtClean="0"/>
-              <a:t>10/7/2013</a:t>
+              <a:t>10/8/2013</a:t>
             </a:fld>
             <a:endParaRPr lang="en-US"/>
           </a:p>
@@ -2743,18 +2743,18 @@
         </p:nvSpPr>
         <p:spPr>
           <a:xfrm>
-            <a:off x="3075385" y="6340166"/>
-            <a:ext cx="2850357" cy="364196"/>
+            <a:off x="2583436" y="4337622"/>
+            <a:ext cx="2394400" cy="249164"/>
           </a:xfrm>
           <a:prstGeom prst="rect">
             <a:avLst/>
           </a:prstGeom>
         </p:spPr>
         <p:txBody>
-          <a:bodyPr vert="horz" lIns="90509" tIns="45255" rIns="90509" bIns="45255" rtlCol="0" anchor="ctr"/>
+          <a:bodyPr vert="horz" lIns="79195" tIns="39598" rIns="79195" bIns="39598" rtlCol="0" anchor="ctr"/>
           <a:lstStyle>
             <a:lvl1pPr algn="ctr">
-              <a:defRPr sz="1200">
+              <a:defRPr sz="1100">
                 <a:solidFill>
                   <a:schemeClr val="tx1">
                     <a:tint val="75000"/>
@@ -2780,18 +2780,18 @@
         </p:nvSpPr>
         <p:spPr>
           <a:xfrm>
-            <a:off x="6450807" y="6340166"/>
-            <a:ext cx="2100263" cy="364196"/>
+            <a:off x="5418909" y="4337622"/>
+            <a:ext cx="1764295" cy="249164"/>
           </a:xfrm>
           <a:prstGeom prst="rect">
             <a:avLst/>
           </a:prstGeom>
         </p:spPr>
         <p:txBody>
-          <a:bodyPr vert="horz" lIns="90509" tIns="45255" rIns="90509" bIns="45255" rtlCol="0" anchor="ctr"/>
+          <a:bodyPr vert="horz" lIns="79195" tIns="39598" rIns="79195" bIns="39598" rtlCol="0" anchor="ctr"/>
           <a:lstStyle>
             <a:lvl1pPr algn="r">
-              <a:defRPr sz="1200">
+              <a:defRPr sz="1100">
                 <a:solidFill>
                   <a:schemeClr val="tx1">
                     <a:tint val="75000"/>
@@ -2832,12 +2832,12 @@
   </p:sldLayoutIdLst>
   <p:txStyles>
     <p:titleStyle>
-      <a:lvl1pPr algn="ctr" defTabSz="905091" rtl="0" eaLnBrk="1" latinLnBrk="0" hangingPunct="1">
+      <a:lvl1pPr algn="ctr" defTabSz="791955" rtl="0" eaLnBrk="1" latinLnBrk="0" hangingPunct="1">
         <a:spcBef>
           <a:spcPct val="0"/>
         </a:spcBef>
         <a:buNone/>
-        <a:defRPr sz="4400" kern="1200">
+        <a:defRPr sz="3900" kern="1200">
           <a:solidFill>
             <a:schemeClr val="tx1"/>
           </a:solidFill>
@@ -2848,13 +2848,13 @@
       </a:lvl1pPr>
     </p:titleStyle>
     <p:bodyStyle>
-      <a:lvl1pPr marL="339410" indent="-339410" algn="l" defTabSz="905091" rtl="0" eaLnBrk="1" latinLnBrk="0" hangingPunct="1">
+      <a:lvl1pPr marL="296984" indent="-296984" algn="l" defTabSz="791955" rtl="0" eaLnBrk="1" latinLnBrk="0" hangingPunct="1">
         <a:spcBef>
           <a:spcPct val="20000"/>
         </a:spcBef>
         <a:buFont typeface="Arial" pitchFamily="34" charset="0"/>
         <a:buChar char="•"/>
-        <a:defRPr sz="3200" kern="1200">
+        <a:defRPr sz="2800" kern="1200">
           <a:solidFill>
             <a:schemeClr val="tx1"/>
           </a:solidFill>
@@ -2863,13 +2863,13 @@
           <a:cs typeface="+mn-cs"/>
         </a:defRPr>
       </a:lvl1pPr>
-      <a:lvl2pPr marL="735387" indent="-282841" algn="l" defTabSz="905091" rtl="0" eaLnBrk="1" latinLnBrk="0" hangingPunct="1">
+      <a:lvl2pPr marL="643464" indent="-247486" algn="l" defTabSz="791955" rtl="0" eaLnBrk="1" latinLnBrk="0" hangingPunct="1">
         <a:spcBef>
           <a:spcPct val="20000"/>
         </a:spcBef>
         <a:buFont typeface="Arial" pitchFamily="34" charset="0"/>
         <a:buChar char="–"/>
-        <a:defRPr sz="2800" kern="1200">
+        <a:defRPr sz="2500" kern="1200">
           <a:solidFill>
             <a:schemeClr val="tx1"/>
           </a:solidFill>
@@ -2878,13 +2878,13 @@
           <a:cs typeface="+mn-cs"/>
         </a:defRPr>
       </a:lvl2pPr>
-      <a:lvl3pPr marL="1131364" indent="-226273" algn="l" defTabSz="905091" rtl="0" eaLnBrk="1" latinLnBrk="0" hangingPunct="1">
+      <a:lvl3pPr marL="989944" indent="-197989" algn="l" defTabSz="791955" rtl="0" eaLnBrk="1" latinLnBrk="0" hangingPunct="1">
         <a:spcBef>
           <a:spcPct val="20000"/>
         </a:spcBef>
         <a:buFont typeface="Arial" pitchFamily="34" charset="0"/>
         <a:buChar char="•"/>
-        <a:defRPr sz="2400" kern="1200">
+        <a:defRPr sz="2100" kern="1200">
           <a:solidFill>
             <a:schemeClr val="tx1"/>
           </a:solidFill>
@@ -2893,13 +2893,13 @@
           <a:cs typeface="+mn-cs"/>
         </a:defRPr>
       </a:lvl3pPr>
-      <a:lvl4pPr marL="1583910" indent="-226273" algn="l" defTabSz="905091" rtl="0" eaLnBrk="1" latinLnBrk="0" hangingPunct="1">
+      <a:lvl4pPr marL="1385921" indent="-197989" algn="l" defTabSz="791955" rtl="0" eaLnBrk="1" latinLnBrk="0" hangingPunct="1">
         <a:spcBef>
           <a:spcPct val="20000"/>
         </a:spcBef>
         <a:buFont typeface="Arial" pitchFamily="34" charset="0"/>
         <a:buChar char="–"/>
-        <a:defRPr sz="2000" kern="1200">
+        <a:defRPr sz="1800" kern="1200">
           <a:solidFill>
             <a:schemeClr val="tx1"/>
           </a:solidFill>
@@ -2908,13 +2908,13 @@
           <a:cs typeface="+mn-cs"/>
         </a:defRPr>
       </a:lvl4pPr>
-      <a:lvl5pPr marL="2036456" indent="-226273" algn="l" defTabSz="905091" rtl="0" eaLnBrk="1" latinLnBrk="0" hangingPunct="1">
+      <a:lvl5pPr marL="1781899" indent="-197989" algn="l" defTabSz="791955" rtl="0" eaLnBrk="1" latinLnBrk="0" hangingPunct="1">
         <a:spcBef>
           <a:spcPct val="20000"/>
         </a:spcBef>
         <a:buFont typeface="Arial" pitchFamily="34" charset="0"/>
         <a:buChar char="»"/>
-        <a:defRPr sz="2000" kern="1200">
+        <a:defRPr sz="1800" kern="1200">
           <a:solidFill>
             <a:schemeClr val="tx1"/>
           </a:solidFill>
@@ -2923,13 +2923,13 @@
           <a:cs typeface="+mn-cs"/>
         </a:defRPr>
       </a:lvl5pPr>
-      <a:lvl6pPr marL="2489001" indent="-226273" algn="l" defTabSz="905091" rtl="0" eaLnBrk="1" latinLnBrk="0" hangingPunct="1">
+      <a:lvl6pPr marL="2177876" indent="-197989" algn="l" defTabSz="791955" rtl="0" eaLnBrk="1" latinLnBrk="0" hangingPunct="1">
         <a:spcBef>
           <a:spcPct val="20000"/>
         </a:spcBef>
         <a:buFont typeface="Arial" pitchFamily="34" charset="0"/>
         <a:buChar char="•"/>
-        <a:defRPr sz="2000" kern="1200">
+        <a:defRPr sz="1800" kern="1200">
           <a:solidFill>
             <a:schemeClr val="tx1"/>
           </a:solidFill>
@@ -2938,13 +2938,13 @@
           <a:cs typeface="+mn-cs"/>
         </a:defRPr>
       </a:lvl6pPr>
-      <a:lvl7pPr marL="2941547" indent="-226273" algn="l" defTabSz="905091" rtl="0" eaLnBrk="1" latinLnBrk="0" hangingPunct="1">
+      <a:lvl7pPr marL="2573854" indent="-197989" algn="l" defTabSz="791955" rtl="0" eaLnBrk="1" latinLnBrk="0" hangingPunct="1">
         <a:spcBef>
           <a:spcPct val="20000"/>
         </a:spcBef>
         <a:buFont typeface="Arial" pitchFamily="34" charset="0"/>
         <a:buChar char="•"/>
-        <a:defRPr sz="2000" kern="1200">
+        <a:defRPr sz="1800" kern="1200">
           <a:solidFill>
             <a:schemeClr val="tx1"/>
           </a:solidFill>
@@ -2953,13 +2953,13 @@
           <a:cs typeface="+mn-cs"/>
         </a:defRPr>
       </a:lvl7pPr>
-      <a:lvl8pPr marL="3394093" indent="-226273" algn="l" defTabSz="905091" rtl="0" eaLnBrk="1" latinLnBrk="0" hangingPunct="1">
+      <a:lvl8pPr marL="2969831" indent="-197989" algn="l" defTabSz="791955" rtl="0" eaLnBrk="1" latinLnBrk="0" hangingPunct="1">
         <a:spcBef>
           <a:spcPct val="20000"/>
         </a:spcBef>
         <a:buFont typeface="Arial" pitchFamily="34" charset="0"/>
         <a:buChar char="•"/>
-        <a:defRPr sz="2000" kern="1200">
+        <a:defRPr sz="1800" kern="1200">
           <a:solidFill>
             <a:schemeClr val="tx1"/>
           </a:solidFill>
@@ -2968,13 +2968,13 @@
           <a:cs typeface="+mn-cs"/>
         </a:defRPr>
       </a:lvl8pPr>
-      <a:lvl9pPr marL="3846638" indent="-226273" algn="l" defTabSz="905091" rtl="0" eaLnBrk="1" latinLnBrk="0" hangingPunct="1">
+      <a:lvl9pPr marL="3365808" indent="-197989" algn="l" defTabSz="791955" rtl="0" eaLnBrk="1" latinLnBrk="0" hangingPunct="1">
         <a:spcBef>
           <a:spcPct val="20000"/>
         </a:spcBef>
         <a:buFont typeface="Arial" pitchFamily="34" charset="0"/>
         <a:buChar char="•"/>
-        <a:defRPr sz="2000" kern="1200">
+        <a:defRPr sz="1800" kern="1200">
           <a:solidFill>
             <a:schemeClr val="tx1"/>
           </a:solidFill>
@@ -2988,8 +2988,8 @@
       <a:defPPr>
         <a:defRPr lang="en-US"/>
       </a:defPPr>
-      <a:lvl1pPr marL="0" algn="l" defTabSz="905091" rtl="0" eaLnBrk="1" latinLnBrk="0" hangingPunct="1">
-        <a:defRPr sz="1800" kern="1200">
+      <a:lvl1pPr marL="0" algn="l" defTabSz="791955" rtl="0" eaLnBrk="1" latinLnBrk="0" hangingPunct="1">
+        <a:defRPr sz="1600" kern="1200">
           <a:solidFill>
             <a:schemeClr val="tx1"/>
           </a:solidFill>
@@ -2998,8 +2998,8 @@
           <a:cs typeface="+mn-cs"/>
         </a:defRPr>
       </a:lvl1pPr>
-      <a:lvl2pPr marL="452546" algn="l" defTabSz="905091" rtl="0" eaLnBrk="1" latinLnBrk="0" hangingPunct="1">
-        <a:defRPr sz="1800" kern="1200">
+      <a:lvl2pPr marL="395978" algn="l" defTabSz="791955" rtl="0" eaLnBrk="1" latinLnBrk="0" hangingPunct="1">
+        <a:defRPr sz="1600" kern="1200">
           <a:solidFill>
             <a:schemeClr val="tx1"/>
           </a:solidFill>
@@ -3008,8 +3008,8 @@
           <a:cs typeface="+mn-cs"/>
         </a:defRPr>
       </a:lvl2pPr>
-      <a:lvl3pPr marL="905091" algn="l" defTabSz="905091" rtl="0" eaLnBrk="1" latinLnBrk="0" hangingPunct="1">
-        <a:defRPr sz="1800" kern="1200">
+      <a:lvl3pPr marL="791955" algn="l" defTabSz="791955" rtl="0" eaLnBrk="1" latinLnBrk="0" hangingPunct="1">
+        <a:defRPr sz="1600" kern="1200">
           <a:solidFill>
             <a:schemeClr val="tx1"/>
           </a:solidFill>
@@ -3018,8 +3018,8 @@
           <a:cs typeface="+mn-cs"/>
         </a:defRPr>
       </a:lvl3pPr>
-      <a:lvl4pPr marL="1357637" algn="l" defTabSz="905091" rtl="0" eaLnBrk="1" latinLnBrk="0" hangingPunct="1">
-        <a:defRPr sz="1800" kern="1200">
+      <a:lvl4pPr marL="1187932" algn="l" defTabSz="791955" rtl="0" eaLnBrk="1" latinLnBrk="0" hangingPunct="1">
+        <a:defRPr sz="1600" kern="1200">
           <a:solidFill>
             <a:schemeClr val="tx1"/>
           </a:solidFill>
@@ -3028,8 +3028,8 @@
           <a:cs typeface="+mn-cs"/>
         </a:defRPr>
       </a:lvl4pPr>
-      <a:lvl5pPr marL="1810183" algn="l" defTabSz="905091" rtl="0" eaLnBrk="1" latinLnBrk="0" hangingPunct="1">
-        <a:defRPr sz="1800" kern="1200">
+      <a:lvl5pPr marL="1583910" algn="l" defTabSz="791955" rtl="0" eaLnBrk="1" latinLnBrk="0" hangingPunct="1">
+        <a:defRPr sz="1600" kern="1200">
           <a:solidFill>
             <a:schemeClr val="tx1"/>
           </a:solidFill>
@@ -3038,8 +3038,8 @@
           <a:cs typeface="+mn-cs"/>
         </a:defRPr>
       </a:lvl5pPr>
-      <a:lvl6pPr marL="2262729" algn="l" defTabSz="905091" rtl="0" eaLnBrk="1" latinLnBrk="0" hangingPunct="1">
-        <a:defRPr sz="1800" kern="1200">
+      <a:lvl6pPr marL="1979888" algn="l" defTabSz="791955" rtl="0" eaLnBrk="1" latinLnBrk="0" hangingPunct="1">
+        <a:defRPr sz="1600" kern="1200">
           <a:solidFill>
             <a:schemeClr val="tx1"/>
           </a:solidFill>
@@ -3048,8 +3048,8 @@
           <a:cs typeface="+mn-cs"/>
         </a:defRPr>
       </a:lvl6pPr>
-      <a:lvl7pPr marL="2715274" algn="l" defTabSz="905091" rtl="0" eaLnBrk="1" latinLnBrk="0" hangingPunct="1">
-        <a:defRPr sz="1800" kern="1200">
+      <a:lvl7pPr marL="2375865" algn="l" defTabSz="791955" rtl="0" eaLnBrk="1" latinLnBrk="0" hangingPunct="1">
+        <a:defRPr sz="1600" kern="1200">
           <a:solidFill>
             <a:schemeClr val="tx1"/>
           </a:solidFill>
@@ -3058,8 +3058,8 @@
           <a:cs typeface="+mn-cs"/>
         </a:defRPr>
       </a:lvl7pPr>
-      <a:lvl8pPr marL="3167820" algn="l" defTabSz="905091" rtl="0" eaLnBrk="1" latinLnBrk="0" hangingPunct="1">
-        <a:defRPr sz="1800" kern="1200">
+      <a:lvl8pPr marL="2771843" algn="l" defTabSz="791955" rtl="0" eaLnBrk="1" latinLnBrk="0" hangingPunct="1">
+        <a:defRPr sz="1600" kern="1200">
           <a:solidFill>
             <a:schemeClr val="tx1"/>
           </a:solidFill>
@@ -3068,8 +3068,8 @@
           <a:cs typeface="+mn-cs"/>
         </a:defRPr>
       </a:lvl8pPr>
-      <a:lvl9pPr marL="3620366" algn="l" defTabSz="905091" rtl="0" eaLnBrk="1" latinLnBrk="0" hangingPunct="1">
-        <a:defRPr sz="1800" kern="1200">
+      <a:lvl9pPr marL="3167820" algn="l" defTabSz="791955" rtl="0" eaLnBrk="1" latinLnBrk="0" hangingPunct="1">
+        <a:defRPr sz="1600" kern="1200">
           <a:solidFill>
             <a:schemeClr val="tx1"/>
           </a:solidFill>
@@ -3100,648 +3100,226 @@
           <a:chExt cx="0" cy="0"/>
         </a:xfrm>
       </p:grpSpPr>
+      <p:cxnSp>
+        <p:nvCxnSpPr>
+          <p:cNvPr id="83" name="Straight Connector 82"/>
+          <p:cNvCxnSpPr/>
+          <p:nvPr/>
+        </p:nvCxnSpPr>
+        <p:spPr>
+          <a:xfrm>
+            <a:off x="3320388" y="3706530"/>
+            <a:ext cx="1911561" cy="0"/>
+          </a:xfrm>
+          <a:prstGeom prst="line">
+            <a:avLst/>
+          </a:prstGeom>
+          <a:ln w="76200">
+            <a:solidFill>
+              <a:srgbClr val="3A9A48"/>
+            </a:solidFill>
+          </a:ln>
+        </p:spPr>
+        <p:style>
+          <a:lnRef idx="2">
+            <a:schemeClr val="dk1"/>
+          </a:lnRef>
+          <a:fillRef idx="0">
+            <a:schemeClr val="dk1"/>
+          </a:fillRef>
+          <a:effectRef idx="1">
+            <a:schemeClr val="dk1"/>
+          </a:effectRef>
+          <a:fontRef idx="minor">
+            <a:schemeClr val="tx1"/>
+          </a:fontRef>
+        </p:style>
+      </p:cxnSp>
+      <p:sp>
+        <p:nvSpPr>
+          <p:cNvPr id="84" name="Freeform 83"/>
+          <p:cNvSpPr/>
+          <p:nvPr/>
+        </p:nvSpPr>
+        <p:spPr>
+          <a:xfrm>
+            <a:off x="534194" y="1398266"/>
+            <a:ext cx="3545582" cy="2869890"/>
+          </a:xfrm>
+          <a:custGeom>
+            <a:avLst/>
+            <a:gdLst>
+              <a:gd name="connsiteX0" fmla="*/ 7239000 w 7239000"/>
+              <a:gd name="connsiteY0" fmla="*/ 1162050 h 6819900"/>
+              <a:gd name="connsiteX1" fmla="*/ 7239000 w 7239000"/>
+              <a:gd name="connsiteY1" fmla="*/ 6819900 h 6819900"/>
+              <a:gd name="connsiteX2" fmla="*/ 0 w 7239000"/>
+              <a:gd name="connsiteY2" fmla="*/ 6819900 h 6819900"/>
+              <a:gd name="connsiteX3" fmla="*/ 0 w 7239000"/>
+              <a:gd name="connsiteY3" fmla="*/ 3390900 h 6819900"/>
+              <a:gd name="connsiteX4" fmla="*/ 5638800 w 7239000"/>
+              <a:gd name="connsiteY4" fmla="*/ 0 h 6819900"/>
+              <a:gd name="connsiteX5" fmla="*/ 7239000 w 7239000"/>
+              <a:gd name="connsiteY5" fmla="*/ 1162050 h 6819900"/>
+            </a:gdLst>
+            <a:ahLst/>
+            <a:cxnLst>
+              <a:cxn ang="0">
+                <a:pos x="connsiteX0" y="connsiteY0"/>
+              </a:cxn>
+              <a:cxn ang="0">
+                <a:pos x="connsiteX1" y="connsiteY1"/>
+              </a:cxn>
+              <a:cxn ang="0">
+                <a:pos x="connsiteX2" y="connsiteY2"/>
+              </a:cxn>
+              <a:cxn ang="0">
+                <a:pos x="connsiteX3" y="connsiteY3"/>
+              </a:cxn>
+              <a:cxn ang="0">
+                <a:pos x="connsiteX4" y="connsiteY4"/>
+              </a:cxn>
+              <a:cxn ang="0">
+                <a:pos x="connsiteX5" y="connsiteY5"/>
+              </a:cxn>
+            </a:cxnLst>
+            <a:rect l="l" t="t" r="r" b="b"/>
+            <a:pathLst>
+              <a:path w="7239000" h="6819900">
+                <a:moveTo>
+                  <a:pt x="7239000" y="1162050"/>
+                </a:moveTo>
+                <a:lnTo>
+                  <a:pt x="7239000" y="6819900"/>
+                </a:lnTo>
+                <a:lnTo>
+                  <a:pt x="0" y="6819900"/>
+                </a:lnTo>
+                <a:lnTo>
+                  <a:pt x="0" y="3390900"/>
+                </a:lnTo>
+                <a:lnTo>
+                  <a:pt x="5638800" y="0"/>
+                </a:lnTo>
+                <a:lnTo>
+                  <a:pt x="7239000" y="1162050"/>
+                </a:lnTo>
+                <a:close/>
+              </a:path>
+            </a:pathLst>
+          </a:custGeom>
+          <a:solidFill>
+            <a:schemeClr val="accent3">
+              <a:lumMod val="40000"/>
+              <a:lumOff val="60000"/>
+            </a:schemeClr>
+          </a:solidFill>
+          <a:ln w="57150">
+            <a:solidFill>
+              <a:srgbClr val="3A9A48"/>
+            </a:solidFill>
+          </a:ln>
+        </p:spPr>
+        <p:style>
+          <a:lnRef idx="2">
+            <a:schemeClr val="accent1">
+              <a:shade val="50000"/>
+            </a:schemeClr>
+          </a:lnRef>
+          <a:fillRef idx="1">
+            <a:schemeClr val="accent1"/>
+          </a:fillRef>
+          <a:effectRef idx="0">
+            <a:schemeClr val="accent1"/>
+          </a:effectRef>
+          <a:fontRef idx="minor">
+            <a:schemeClr val="lt1"/>
+          </a:fontRef>
+        </p:style>
+        <p:txBody>
+          <a:bodyPr rtlCol="0" anchor="ctr"/>
+          <a:lstStyle/>
+          <a:p>
+            <a:pPr algn="ctr"/>
+            <a:endParaRPr lang="en-US"/>
+          </a:p>
+        </p:txBody>
+      </p:sp>
+      <p:cxnSp>
+        <p:nvCxnSpPr>
+          <p:cNvPr id="85" name="Straight Connector 84"/>
+          <p:cNvCxnSpPr/>
+          <p:nvPr/>
+        </p:nvCxnSpPr>
+        <p:spPr>
+          <a:xfrm flipH="1" flipV="1">
+            <a:off x="5279373" y="1219392"/>
+            <a:ext cx="17584" cy="2368213"/>
+          </a:xfrm>
+          <a:prstGeom prst="line">
+            <a:avLst/>
+          </a:prstGeom>
+          <a:ln w="76200">
+            <a:solidFill>
+              <a:srgbClr val="3A9A48"/>
+            </a:solidFill>
+          </a:ln>
+        </p:spPr>
+        <p:style>
+          <a:lnRef idx="2">
+            <a:schemeClr val="dk1"/>
+          </a:lnRef>
+          <a:fillRef idx="0">
+            <a:schemeClr val="dk1"/>
+          </a:fillRef>
+          <a:effectRef idx="1">
+            <a:schemeClr val="dk1"/>
+          </a:effectRef>
+          <a:fontRef idx="minor">
+            <a:schemeClr val="tx1"/>
+          </a:fontRef>
+        </p:style>
+      </p:cxnSp>
       <p:grpSp>
         <p:nvGrpSpPr>
-          <p:cNvPr id="41" name="Group 40"/>
+          <p:cNvPr id="86" name="Group 85"/>
           <p:cNvGrpSpPr/>
           <p:nvPr/>
         </p:nvGrpSpPr>
         <p:grpSpPr>
           <a:xfrm>
-            <a:off x="415535" y="395933"/>
-            <a:ext cx="8117475" cy="5808507"/>
-            <a:chOff x="675993" y="144117"/>
-            <a:chExt cx="16573417" cy="13803121"/>
+            <a:off x="262946" y="1158336"/>
+            <a:ext cx="6129304" cy="3262717"/>
+            <a:chOff x="13396739" y="12672055"/>
+            <a:chExt cx="6933644" cy="3836084"/>
           </a:xfrm>
         </p:grpSpPr>
         <p:cxnSp>
           <p:nvCxnSpPr>
-            <p:cNvPr id="42" name="Straight Connector 41"/>
+            <p:cNvPr id="87" name="Straight Connector 86"/>
             <p:cNvCxnSpPr/>
             <p:nvPr/>
           </p:nvCxnSpPr>
           <p:spPr>
-            <a:xfrm>
-              <a:off x="6918361" y="11310112"/>
-              <a:ext cx="3902827" cy="0"/>
+            <a:xfrm flipH="1">
+              <a:off x="13506449" y="16508139"/>
+              <a:ext cx="6823934" cy="0"/>
             </a:xfrm>
             <a:prstGeom prst="line">
               <a:avLst/>
             </a:prstGeom>
-            <a:ln w="76200">
-              <a:solidFill>
-                <a:srgbClr val="3A9A48"/>
-              </a:solidFill>
-            </a:ln>
-          </p:spPr>
-          <p:style>
-            <a:lnRef idx="2">
-              <a:schemeClr val="dk1"/>
-            </a:lnRef>
-            <a:fillRef idx="0">
-              <a:schemeClr val="dk1"/>
-            </a:fillRef>
-            <a:effectRef idx="1">
-              <a:schemeClr val="dk1"/>
-            </a:effectRef>
-            <a:fontRef idx="minor">
-              <a:schemeClr val="tx1"/>
-            </a:fontRef>
-          </p:style>
-        </p:cxnSp>
-        <p:sp>
-          <p:nvSpPr>
-            <p:cNvPr id="43" name="Freeform 42"/>
-            <p:cNvSpPr/>
-            <p:nvPr/>
-          </p:nvSpPr>
-          <p:spPr>
-            <a:xfrm>
-              <a:off x="1229798" y="5824838"/>
-              <a:ext cx="7239000" cy="6819900"/>
-            </a:xfrm>
-            <a:custGeom>
-              <a:avLst/>
-              <a:gdLst>
-                <a:gd name="connsiteX0" fmla="*/ 7239000 w 7239000"/>
-                <a:gd name="connsiteY0" fmla="*/ 1162050 h 6819900"/>
-                <a:gd name="connsiteX1" fmla="*/ 7239000 w 7239000"/>
-                <a:gd name="connsiteY1" fmla="*/ 6819900 h 6819900"/>
-                <a:gd name="connsiteX2" fmla="*/ 0 w 7239000"/>
-                <a:gd name="connsiteY2" fmla="*/ 6819900 h 6819900"/>
-                <a:gd name="connsiteX3" fmla="*/ 0 w 7239000"/>
-                <a:gd name="connsiteY3" fmla="*/ 3390900 h 6819900"/>
-                <a:gd name="connsiteX4" fmla="*/ 5638800 w 7239000"/>
-                <a:gd name="connsiteY4" fmla="*/ 0 h 6819900"/>
-                <a:gd name="connsiteX5" fmla="*/ 7239000 w 7239000"/>
-                <a:gd name="connsiteY5" fmla="*/ 1162050 h 6819900"/>
-              </a:gdLst>
-              <a:ahLst/>
-              <a:cxnLst>
-                <a:cxn ang="0">
-                  <a:pos x="connsiteX0" y="connsiteY0"/>
-                </a:cxn>
-                <a:cxn ang="0">
-                  <a:pos x="connsiteX1" y="connsiteY1"/>
-                </a:cxn>
-                <a:cxn ang="0">
-                  <a:pos x="connsiteX2" y="connsiteY2"/>
-                </a:cxn>
-                <a:cxn ang="0">
-                  <a:pos x="connsiteX3" y="connsiteY3"/>
-                </a:cxn>
-                <a:cxn ang="0">
-                  <a:pos x="connsiteX4" y="connsiteY4"/>
-                </a:cxn>
-                <a:cxn ang="0">
-                  <a:pos x="connsiteX5" y="connsiteY5"/>
-                </a:cxn>
-              </a:cxnLst>
-              <a:rect l="l" t="t" r="r" b="b"/>
-              <a:pathLst>
-                <a:path w="7239000" h="6819900">
-                  <a:moveTo>
-                    <a:pt x="7239000" y="1162050"/>
-                  </a:moveTo>
-                  <a:lnTo>
-                    <a:pt x="7239000" y="6819900"/>
-                  </a:lnTo>
-                  <a:lnTo>
-                    <a:pt x="0" y="6819900"/>
-                  </a:lnTo>
-                  <a:lnTo>
-                    <a:pt x="0" y="3390900"/>
-                  </a:lnTo>
-                  <a:lnTo>
-                    <a:pt x="5638800" y="0"/>
-                  </a:lnTo>
-                  <a:lnTo>
-                    <a:pt x="7239000" y="1162050"/>
-                  </a:lnTo>
-                  <a:close/>
-                </a:path>
-              </a:pathLst>
-            </a:custGeom>
-            <a:solidFill>
-              <a:schemeClr val="accent3">
-                <a:lumMod val="40000"/>
-                <a:lumOff val="60000"/>
-              </a:schemeClr>
-            </a:solidFill>
-            <a:ln w="57150">
-              <a:solidFill>
-                <a:srgbClr val="3A9A48"/>
-              </a:solidFill>
-            </a:ln>
-          </p:spPr>
-          <p:style>
-            <a:lnRef idx="2">
-              <a:schemeClr val="accent1">
-                <a:shade val="50000"/>
-              </a:schemeClr>
-            </a:lnRef>
-            <a:fillRef idx="1">
-              <a:schemeClr val="accent1"/>
-            </a:fillRef>
-            <a:effectRef idx="0">
-              <a:schemeClr val="accent1"/>
-            </a:effectRef>
-            <a:fontRef idx="minor">
-              <a:schemeClr val="lt1"/>
-            </a:fontRef>
-          </p:style>
-          <p:txBody>
-            <a:bodyPr rtlCol="0" anchor="ctr"/>
-            <a:lstStyle/>
-            <a:p>
-              <a:pPr algn="ctr"/>
-              <a:endParaRPr lang="en-US"/>
-            </a:p>
-          </p:txBody>
-        </p:sp>
-        <p:cxnSp>
-          <p:nvCxnSpPr>
-            <p:cNvPr id="44" name="Straight Connector 43"/>
-            <p:cNvCxnSpPr/>
-            <p:nvPr/>
-          </p:nvCxnSpPr>
-          <p:spPr>
-            <a:xfrm>
-              <a:off x="10918010" y="9839726"/>
-              <a:ext cx="35904" cy="1872207"/>
-            </a:xfrm>
-            <a:prstGeom prst="line">
-              <a:avLst/>
-            </a:prstGeom>
-            <a:ln w="76200">
-              <a:solidFill>
-                <a:srgbClr val="3A9A48"/>
-              </a:solidFill>
-            </a:ln>
-          </p:spPr>
-          <p:style>
-            <a:lnRef idx="2">
-              <a:schemeClr val="dk1"/>
-            </a:lnRef>
-            <a:fillRef idx="0">
-              <a:schemeClr val="dk1"/>
-            </a:fillRef>
-            <a:effectRef idx="1">
-              <a:schemeClr val="dk1"/>
-            </a:effectRef>
-            <a:fontRef idx="minor">
-              <a:schemeClr val="tx1"/>
-            </a:fontRef>
-          </p:style>
-        </p:cxnSp>
-        <p:cxnSp>
-          <p:nvCxnSpPr>
-            <p:cNvPr id="45" name="Straight Connector 44"/>
-            <p:cNvCxnSpPr/>
-            <p:nvPr/>
-          </p:nvCxnSpPr>
-          <p:spPr>
-            <a:xfrm flipV="1">
-              <a:off x="10369277" y="3528492"/>
-              <a:ext cx="3350678" cy="6048672"/>
-            </a:xfrm>
-            <a:prstGeom prst="line">
-              <a:avLst/>
-            </a:prstGeom>
-            <a:ln w="76200">
-              <a:solidFill>
-                <a:srgbClr val="3A9A48"/>
-              </a:solidFill>
-            </a:ln>
-          </p:spPr>
-          <p:style>
-            <a:lnRef idx="2">
-              <a:schemeClr val="dk1"/>
-            </a:lnRef>
-            <a:fillRef idx="0">
-              <a:schemeClr val="dk1"/>
-            </a:fillRef>
-            <a:effectRef idx="1">
-              <a:schemeClr val="dk1"/>
-            </a:effectRef>
-            <a:fontRef idx="minor">
-              <a:schemeClr val="tx1"/>
-            </a:fontRef>
-          </p:style>
-        </p:cxnSp>
-        <p:grpSp>
-          <p:nvGrpSpPr>
-            <p:cNvPr id="46" name="Group 45"/>
-            <p:cNvGrpSpPr/>
-            <p:nvPr/>
-          </p:nvGrpSpPr>
-          <p:grpSpPr>
-            <a:xfrm>
-              <a:off x="675993" y="5254677"/>
-              <a:ext cx="12514177" cy="7753400"/>
-              <a:chOff x="13396739" y="12672055"/>
-              <a:chExt cx="6933644" cy="3836084"/>
-            </a:xfrm>
-          </p:grpSpPr>
-          <p:cxnSp>
-            <p:nvCxnSpPr>
-              <p:cNvPr id="109" name="Straight Connector 108"/>
-              <p:cNvCxnSpPr/>
-              <p:nvPr/>
-            </p:nvCxnSpPr>
-            <p:spPr>
-              <a:xfrm flipH="1">
-                <a:off x="13506449" y="16508139"/>
-                <a:ext cx="6823934" cy="0"/>
-              </a:xfrm>
-              <a:prstGeom prst="line">
-                <a:avLst/>
-              </a:prstGeom>
-              <a:ln w="190500" cap="rnd">
-                <a:solidFill>
-                  <a:srgbClr val="AAC73C"/>
-                </a:solidFill>
-              </a:ln>
-              <a:effectLst>
-                <a:outerShdw blurRad="50800" dist="241300" dir="2700000" algn="tl" rotWithShape="0">
-                  <a:prstClr val="black">
-                    <a:alpha val="20000"/>
-                  </a:prstClr>
-                </a:outerShdw>
-              </a:effectLst>
-            </p:spPr>
-            <p:style>
-              <a:lnRef idx="3">
-                <a:schemeClr val="accent3"/>
-              </a:lnRef>
-              <a:fillRef idx="0">
-                <a:schemeClr val="accent3"/>
-              </a:fillRef>
-              <a:effectRef idx="2">
-                <a:schemeClr val="accent3"/>
-              </a:effectRef>
-              <a:fontRef idx="minor">
-                <a:schemeClr val="tx1"/>
-              </a:fontRef>
-            </p:style>
-          </p:cxnSp>
-          <p:cxnSp>
-            <p:nvCxnSpPr>
-              <p:cNvPr id="110" name="Straight Connector 109"/>
-              <p:cNvCxnSpPr/>
-              <p:nvPr/>
-            </p:nvCxnSpPr>
-            <p:spPr>
-              <a:xfrm>
-                <a:off x="20253638" y="14548315"/>
-                <a:ext cx="0" cy="1959824"/>
-              </a:xfrm>
-              <a:prstGeom prst="line">
-                <a:avLst/>
-              </a:prstGeom>
-              <a:ln w="190500" cap="rnd">
-                <a:solidFill>
-                  <a:srgbClr val="AAC73C"/>
-                </a:solidFill>
-              </a:ln>
-              <a:effectLst>
-                <a:outerShdw blurRad="50800" dist="241300" dir="2700000" algn="tl" rotWithShape="0">
-                  <a:prstClr val="black">
-                    <a:alpha val="20000"/>
-                  </a:prstClr>
-                </a:outerShdw>
-              </a:effectLst>
-            </p:spPr>
-            <p:style>
-              <a:lnRef idx="3">
-                <a:schemeClr val="accent3"/>
-              </a:lnRef>
-              <a:fillRef idx="0">
-                <a:schemeClr val="accent3"/>
-              </a:fillRef>
-              <a:effectRef idx="2">
-                <a:schemeClr val="accent3"/>
-              </a:effectRef>
-              <a:fontRef idx="minor">
-                <a:schemeClr val="tx1"/>
-              </a:fontRef>
-            </p:style>
-          </p:cxnSp>
-          <p:cxnSp>
-            <p:nvCxnSpPr>
-              <p:cNvPr id="111" name="Straight Connector 110"/>
-              <p:cNvCxnSpPr/>
-              <p:nvPr/>
-            </p:nvCxnSpPr>
-            <p:spPr>
-              <a:xfrm>
-                <a:off x="14437816" y="13138234"/>
-                <a:ext cx="0" cy="816204"/>
-              </a:xfrm>
-              <a:prstGeom prst="line">
-                <a:avLst/>
-              </a:prstGeom>
-              <a:ln w="190500" cap="rnd">
-                <a:solidFill>
-                  <a:srgbClr val="AAC73C"/>
-                </a:solidFill>
-              </a:ln>
-              <a:effectLst>
-                <a:outerShdw blurRad="50800" dist="241300" dir="2700000" algn="tl" rotWithShape="0">
-                  <a:prstClr val="black">
-                    <a:alpha val="20000"/>
-                  </a:prstClr>
-                </a:outerShdw>
-              </a:effectLst>
-            </p:spPr>
-            <p:style>
-              <a:lnRef idx="3">
-                <a:schemeClr val="accent3"/>
-              </a:lnRef>
-              <a:fillRef idx="0">
-                <a:schemeClr val="accent3"/>
-              </a:fillRef>
-              <a:effectRef idx="2">
-                <a:schemeClr val="accent3"/>
-              </a:effectRef>
-              <a:fontRef idx="minor">
-                <a:schemeClr val="tx1"/>
-              </a:fontRef>
-            </p:style>
-          </p:cxnSp>
-          <p:cxnSp>
-            <p:nvCxnSpPr>
-              <p:cNvPr id="112" name="Straight Connector 111"/>
-              <p:cNvCxnSpPr/>
-              <p:nvPr/>
-            </p:nvCxnSpPr>
-            <p:spPr>
-              <a:xfrm flipH="1">
-                <a:off x="13396739" y="13954438"/>
-                <a:ext cx="1041077" cy="622765"/>
-              </a:xfrm>
-              <a:prstGeom prst="line">
-                <a:avLst/>
-              </a:prstGeom>
-              <a:ln w="190500" cap="rnd">
-                <a:solidFill>
-                  <a:srgbClr val="AAC73C"/>
-                </a:solidFill>
-              </a:ln>
-              <a:effectLst>
-                <a:outerShdw blurRad="50800" dist="241300" dir="2700000" algn="tl" rotWithShape="0">
-                  <a:prstClr val="black">
-                    <a:alpha val="20000"/>
-                  </a:prstClr>
-                </a:outerShdw>
-              </a:effectLst>
-            </p:spPr>
-            <p:style>
-              <a:lnRef idx="3">
-                <a:schemeClr val="accent3"/>
-              </a:lnRef>
-              <a:fillRef idx="0">
-                <a:schemeClr val="accent3"/>
-              </a:fillRef>
-              <a:effectRef idx="2">
-                <a:schemeClr val="accent3"/>
-              </a:effectRef>
-              <a:fontRef idx="minor">
-                <a:schemeClr val="tx1"/>
-              </a:fontRef>
-            </p:style>
-          </p:cxnSp>
-          <p:cxnSp>
-            <p:nvCxnSpPr>
-              <p:cNvPr id="113" name="Straight Connector 112"/>
-              <p:cNvCxnSpPr/>
-              <p:nvPr/>
-            </p:nvCxnSpPr>
-            <p:spPr>
-              <a:xfrm flipH="1">
-                <a:off x="14437816" y="13138234"/>
-                <a:ext cx="697871" cy="0"/>
-              </a:xfrm>
-              <a:prstGeom prst="line">
-                <a:avLst/>
-              </a:prstGeom>
-              <a:ln w="190500" cap="rnd">
-                <a:solidFill>
-                  <a:srgbClr val="AAC73C"/>
-                </a:solidFill>
-              </a:ln>
-              <a:effectLst>
-                <a:outerShdw blurRad="50800" dist="241300" dir="2700000" algn="tl" rotWithShape="0">
-                  <a:prstClr val="black">
-                    <a:alpha val="20000"/>
-                  </a:prstClr>
-                </a:outerShdw>
-              </a:effectLst>
-            </p:spPr>
-            <p:style>
-              <a:lnRef idx="3">
-                <a:schemeClr val="accent3"/>
-              </a:lnRef>
-              <a:fillRef idx="0">
-                <a:schemeClr val="accent3"/>
-              </a:fillRef>
-              <a:effectRef idx="2">
-                <a:schemeClr val="accent3"/>
-              </a:effectRef>
-              <a:fontRef idx="minor">
-                <a:schemeClr val="tx1"/>
-              </a:fontRef>
-            </p:style>
-          </p:cxnSp>
-          <p:cxnSp>
-            <p:nvCxnSpPr>
-              <p:cNvPr id="114" name="Straight Connector 113"/>
-              <p:cNvCxnSpPr/>
-              <p:nvPr/>
-            </p:nvCxnSpPr>
-            <p:spPr>
-              <a:xfrm>
-                <a:off x="15135687" y="13138234"/>
-                <a:ext cx="0" cy="440844"/>
-              </a:xfrm>
-              <a:prstGeom prst="line">
-                <a:avLst/>
-              </a:prstGeom>
-              <a:ln w="190500" cap="rnd">
-                <a:solidFill>
-                  <a:srgbClr val="AAC73C"/>
-                </a:solidFill>
-              </a:ln>
-              <a:effectLst>
-                <a:outerShdw blurRad="50800" dist="241300" dir="2700000" algn="tl" rotWithShape="0">
-                  <a:prstClr val="black">
-                    <a:alpha val="20000"/>
-                  </a:prstClr>
-                </a:outerShdw>
-              </a:effectLst>
-            </p:spPr>
-            <p:style>
-              <a:lnRef idx="3">
-                <a:schemeClr val="accent3"/>
-              </a:lnRef>
-              <a:fillRef idx="0">
-                <a:schemeClr val="accent3"/>
-              </a:fillRef>
-              <a:effectRef idx="2">
-                <a:schemeClr val="accent3"/>
-              </a:effectRef>
-              <a:fontRef idx="minor">
-                <a:schemeClr val="tx1"/>
-              </a:fontRef>
-            </p:style>
-          </p:cxnSp>
-          <p:cxnSp>
-            <p:nvCxnSpPr>
-              <p:cNvPr id="115" name="Straight Connector 114"/>
-              <p:cNvCxnSpPr/>
-              <p:nvPr/>
-            </p:nvCxnSpPr>
-            <p:spPr>
-              <a:xfrm flipH="1">
-                <a:off x="15135687" y="12672055"/>
-                <a:ext cx="1770640" cy="932358"/>
-              </a:xfrm>
-              <a:prstGeom prst="line">
-                <a:avLst/>
-              </a:prstGeom>
-              <a:ln w="190500" cap="rnd">
-                <a:solidFill>
-                  <a:srgbClr val="AAC73C"/>
-                </a:solidFill>
-              </a:ln>
-              <a:effectLst>
-                <a:outerShdw blurRad="50800" dist="241300" dir="2700000" algn="tl" rotWithShape="0">
-                  <a:prstClr val="black">
-                    <a:alpha val="20000"/>
-                  </a:prstClr>
-                </a:outerShdw>
-              </a:effectLst>
-            </p:spPr>
-            <p:style>
-              <a:lnRef idx="3">
-                <a:schemeClr val="accent3"/>
-              </a:lnRef>
-              <a:fillRef idx="0">
-                <a:schemeClr val="accent3"/>
-              </a:fillRef>
-              <a:effectRef idx="2">
-                <a:schemeClr val="accent3"/>
-              </a:effectRef>
-              <a:fontRef idx="minor">
-                <a:schemeClr val="tx1"/>
-              </a:fontRef>
-            </p:style>
-          </p:cxnSp>
-          <p:cxnSp>
-            <p:nvCxnSpPr>
-              <p:cNvPr id="116" name="Straight Connector 115"/>
-              <p:cNvCxnSpPr/>
-              <p:nvPr/>
-            </p:nvCxnSpPr>
-            <p:spPr>
-              <a:xfrm>
-                <a:off x="16906327" y="12672055"/>
-                <a:ext cx="3411967" cy="1905148"/>
-              </a:xfrm>
-              <a:prstGeom prst="line">
-                <a:avLst/>
-              </a:prstGeom>
-              <a:ln w="190500" cap="rnd">
-                <a:solidFill>
-                  <a:srgbClr val="AAC73C"/>
-                </a:solidFill>
-              </a:ln>
-              <a:effectLst>
-                <a:outerShdw blurRad="50800" dist="241300" dir="2700000" algn="tl" rotWithShape="0">
-                  <a:prstClr val="black">
-                    <a:alpha val="20000"/>
-                  </a:prstClr>
-                </a:outerShdw>
-              </a:effectLst>
-            </p:spPr>
-            <p:style>
-              <a:lnRef idx="3">
-                <a:schemeClr val="accent3"/>
-              </a:lnRef>
-              <a:fillRef idx="0">
-                <a:schemeClr val="accent3"/>
-              </a:fillRef>
-              <a:effectRef idx="2">
-                <a:schemeClr val="accent3"/>
-              </a:effectRef>
-              <a:fontRef idx="minor">
-                <a:schemeClr val="tx1"/>
-              </a:fontRef>
-            </p:style>
-          </p:cxnSp>
-          <p:cxnSp>
-            <p:nvCxnSpPr>
-              <p:cNvPr id="117" name="Straight Connector 116"/>
-              <p:cNvCxnSpPr/>
-              <p:nvPr/>
-            </p:nvCxnSpPr>
-            <p:spPr>
-              <a:xfrm>
-                <a:off x="13429704" y="14548315"/>
-                <a:ext cx="0" cy="1959824"/>
-              </a:xfrm>
-              <a:prstGeom prst="line">
-                <a:avLst/>
-              </a:prstGeom>
-              <a:ln w="190500" cap="rnd">
-                <a:solidFill>
-                  <a:srgbClr val="AAC73C"/>
-                </a:solidFill>
-              </a:ln>
-              <a:effectLst>
-                <a:outerShdw blurRad="50800" dist="241300" dir="2700000" algn="tl" rotWithShape="0">
-                  <a:prstClr val="black">
-                    <a:alpha val="20000"/>
-                  </a:prstClr>
-                </a:outerShdw>
-              </a:effectLst>
-            </p:spPr>
-            <p:style>
-              <a:lnRef idx="3">
-                <a:schemeClr val="accent3"/>
-              </a:lnRef>
-              <a:fillRef idx="0">
-                <a:schemeClr val="accent3"/>
-              </a:fillRef>
-              <a:effectRef idx="2">
-                <a:schemeClr val="accent3"/>
-              </a:effectRef>
-              <a:fontRef idx="minor">
-                <a:schemeClr val="tx1"/>
-              </a:fontRef>
-            </p:style>
-          </p:cxnSp>
-        </p:grpSp>
-        <p:cxnSp>
-          <p:nvCxnSpPr>
-            <p:cNvPr id="47" name="Straight Connector 46"/>
-            <p:cNvCxnSpPr/>
-            <p:nvPr/>
-          </p:nvCxnSpPr>
-          <p:spPr>
-            <a:xfrm>
-              <a:off x="8956352" y="4176564"/>
-              <a:ext cx="0" cy="2446405"/>
-            </a:xfrm>
-            <a:prstGeom prst="line">
-              <a:avLst/>
-            </a:prstGeom>
-            <a:ln w="190500" cap="rnd">
+            <a:ln w="76200" cap="rnd">
               <a:solidFill>
                 <a:srgbClr val="AAC73C"/>
               </a:solidFill>
             </a:ln>
-            <a:effectLst/>
+            <a:effectLst>
+              <a:outerShdw blurRad="50800" dist="241300" dir="2700000" algn="tl" rotWithShape="0">
+                <a:prstClr val="black">
+                  <a:alpha val="20000"/>
+                </a:prstClr>
+              </a:outerShdw>
+            </a:effectLst>
           </p:spPr>
           <p:style>
             <a:lnRef idx="3">
@@ -3758,234 +3336,32 @@
             </a:fontRef>
           </p:style>
         </p:cxnSp>
-        <p:sp>
-          <p:nvSpPr>
-            <p:cNvPr id="48" name="Oval 47"/>
-            <p:cNvSpPr/>
+        <p:cxnSp>
+          <p:nvCxnSpPr>
+            <p:cNvPr id="88" name="Straight Connector 87"/>
+            <p:cNvCxnSpPr/>
             <p:nvPr/>
-          </p:nvSpPr>
+          </p:nvCxnSpPr>
           <p:spPr>
             <a:xfrm>
-              <a:off x="8736660" y="6287918"/>
-              <a:ext cx="464233" cy="464233"/>
+              <a:off x="20253638" y="14548315"/>
+              <a:ext cx="0" cy="1959824"/>
             </a:xfrm>
-            <a:prstGeom prst="ellipse">
+            <a:prstGeom prst="line">
               <a:avLst/>
             </a:prstGeom>
-            <a:solidFill>
-              <a:srgbClr val="AAC73C"/>
-            </a:solidFill>
-            <a:ln>
+            <a:ln w="76200" cap="rnd">
               <a:solidFill>
                 <a:srgbClr val="AAC73C"/>
               </a:solidFill>
             </a:ln>
-          </p:spPr>
-          <p:style>
-            <a:lnRef idx="2">
-              <a:schemeClr val="accent1">
-                <a:shade val="50000"/>
-              </a:schemeClr>
-            </a:lnRef>
-            <a:fillRef idx="1">
-              <a:schemeClr val="accent1"/>
-            </a:fillRef>
-            <a:effectRef idx="0">
-              <a:schemeClr val="accent1"/>
-            </a:effectRef>
-            <a:fontRef idx="minor">
-              <a:schemeClr val="lt1"/>
-            </a:fontRef>
-          </p:style>
-          <p:txBody>
-            <a:bodyPr rtlCol="0" anchor="ctr"/>
-            <a:lstStyle/>
-            <a:p>
-              <a:pPr algn="ctr"/>
-              <a:endParaRPr lang="en-US">
-                <a:solidFill>
-                  <a:srgbClr val="AAC73C"/>
-                </a:solidFill>
-              </a:endParaRPr>
-            </a:p>
-          </p:txBody>
-        </p:sp>
-        <p:sp>
-          <p:nvSpPr>
-            <p:cNvPr id="53" name="Oval 52"/>
-            <p:cNvSpPr/>
-            <p:nvPr/>
-          </p:nvSpPr>
-          <p:spPr>
-            <a:xfrm>
-              <a:off x="11180244" y="13483005"/>
-              <a:ext cx="464233" cy="464233"/>
-            </a:xfrm>
-            <a:prstGeom prst="ellipse">
-              <a:avLst/>
-            </a:prstGeom>
-            <a:solidFill>
-              <a:srgbClr val="AAC73C"/>
-            </a:solidFill>
-            <a:ln>
-              <a:solidFill>
-                <a:srgbClr val="AAC73C"/>
-              </a:solidFill>
-            </a:ln>
-          </p:spPr>
-          <p:style>
-            <a:lnRef idx="2">
-              <a:schemeClr val="accent1">
-                <a:shade val="50000"/>
-              </a:schemeClr>
-            </a:lnRef>
-            <a:fillRef idx="1">
-              <a:schemeClr val="accent1"/>
-            </a:fillRef>
-            <a:effectRef idx="0">
-              <a:schemeClr val="accent1"/>
-            </a:effectRef>
-            <a:fontRef idx="minor">
-              <a:schemeClr val="lt1"/>
-            </a:fontRef>
-          </p:style>
-          <p:txBody>
-            <a:bodyPr rtlCol="0" anchor="ctr"/>
-            <a:lstStyle/>
-            <a:p>
-              <a:pPr algn="ctr"/>
-              <a:endParaRPr lang="en-US">
-                <a:solidFill>
-                  <a:srgbClr val="AAC73C"/>
-                </a:solidFill>
-              </a:endParaRPr>
-            </a:p>
-          </p:txBody>
-        </p:sp>
-        <p:sp>
-          <p:nvSpPr>
-            <p:cNvPr id="54" name="Oval 53"/>
-            <p:cNvSpPr/>
-            <p:nvPr/>
-          </p:nvSpPr>
-          <p:spPr>
-            <a:xfrm>
-              <a:off x="1206439" y="12746417"/>
-              <a:ext cx="464233" cy="464233"/>
-            </a:xfrm>
-            <a:prstGeom prst="ellipse">
-              <a:avLst/>
-            </a:prstGeom>
-            <a:solidFill>
-              <a:srgbClr val="AAC73C"/>
-            </a:solidFill>
-            <a:ln>
-              <a:solidFill>
-                <a:srgbClr val="AAC73C"/>
-              </a:solidFill>
-            </a:ln>
-          </p:spPr>
-          <p:style>
-            <a:lnRef idx="2">
-              <a:schemeClr val="accent1">
-                <a:shade val="50000"/>
-              </a:schemeClr>
-            </a:lnRef>
-            <a:fillRef idx="1">
-              <a:schemeClr val="accent1"/>
-            </a:fillRef>
-            <a:effectRef idx="0">
-              <a:schemeClr val="accent1"/>
-            </a:effectRef>
-            <a:fontRef idx="minor">
-              <a:schemeClr val="lt1"/>
-            </a:fontRef>
-          </p:style>
-          <p:txBody>
-            <a:bodyPr rtlCol="0" anchor="ctr"/>
-            <a:lstStyle/>
-            <a:p>
-              <a:pPr algn="ctr"/>
-              <a:endParaRPr lang="en-US">
-                <a:solidFill>
-                  <a:srgbClr val="AAC73C"/>
-                </a:solidFill>
-              </a:endParaRPr>
-            </a:p>
-          </p:txBody>
-        </p:sp>
-        <p:sp>
-          <p:nvSpPr>
-            <p:cNvPr id="55" name="Oval 54"/>
-            <p:cNvSpPr/>
-            <p:nvPr/>
-          </p:nvSpPr>
-          <p:spPr>
-            <a:xfrm>
-              <a:off x="11180245" y="12834683"/>
-              <a:ext cx="464233" cy="464233"/>
-            </a:xfrm>
-            <a:prstGeom prst="ellipse">
-              <a:avLst/>
-            </a:prstGeom>
-            <a:solidFill>
-              <a:srgbClr val="AAC73C"/>
-            </a:solidFill>
-            <a:ln>
-              <a:solidFill>
-                <a:srgbClr val="AAC73C"/>
-              </a:solidFill>
-            </a:ln>
-          </p:spPr>
-          <p:style>
-            <a:lnRef idx="2">
-              <a:schemeClr val="accent1">
-                <a:shade val="50000"/>
-              </a:schemeClr>
-            </a:lnRef>
-            <a:fillRef idx="1">
-              <a:schemeClr val="accent1"/>
-            </a:fillRef>
-            <a:effectRef idx="0">
-              <a:schemeClr val="accent1"/>
-            </a:effectRef>
-            <a:fontRef idx="minor">
-              <a:schemeClr val="lt1"/>
-            </a:fontRef>
-          </p:style>
-          <p:txBody>
-            <a:bodyPr rtlCol="0" anchor="ctr"/>
-            <a:lstStyle/>
-            <a:p>
-              <a:pPr algn="ctr"/>
-              <a:endParaRPr lang="en-US">
-                <a:solidFill>
-                  <a:srgbClr val="AAC73C"/>
-                </a:solidFill>
-              </a:endParaRPr>
-            </a:p>
-          </p:txBody>
-        </p:sp>
-        <p:cxnSp>
-          <p:nvCxnSpPr>
-            <p:cNvPr id="56" name="Straight Connector 55"/>
-            <p:cNvCxnSpPr/>
-            <p:nvPr/>
-          </p:nvCxnSpPr>
-          <p:spPr>
-            <a:xfrm flipV="1">
-              <a:off x="11412361" y="13066800"/>
-              <a:ext cx="1" cy="690718"/>
-            </a:xfrm>
-            <a:prstGeom prst="line">
-              <a:avLst/>
-            </a:prstGeom>
-            <a:ln w="190500" cap="rnd">
-              <a:solidFill>
-                <a:srgbClr val="AAC73C"/>
-              </a:solidFill>
-            </a:ln>
-            <a:effectLst/>
+            <a:effectLst>
+              <a:outerShdw blurRad="50800" dist="241300" dir="2700000" algn="tl" rotWithShape="0">
+                <a:prstClr val="black">
+                  <a:alpha val="20000"/>
+                </a:prstClr>
+              </a:outerShdw>
+            </a:effectLst>
           </p:spPr>
           <p:style>
             <a:lnRef idx="3">
@@ -4002,643 +3378,32 @@
             </a:fontRef>
           </p:style>
         </p:cxnSp>
-        <p:sp>
-          <p:nvSpPr>
-            <p:cNvPr id="57" name="Cloud 56"/>
-            <p:cNvSpPr/>
+        <p:cxnSp>
+          <p:nvCxnSpPr>
+            <p:cNvPr id="89" name="Straight Connector 88"/>
+            <p:cNvCxnSpPr/>
             <p:nvPr/>
-          </p:nvSpPr>
+          </p:nvCxnSpPr>
           <p:spPr>
             <a:xfrm>
-              <a:off x="7585522" y="144117"/>
-              <a:ext cx="9663888" cy="4991788"/>
+              <a:off x="14437816" y="13138234"/>
+              <a:ext cx="0" cy="816204"/>
             </a:xfrm>
-            <a:prstGeom prst="cloud">
+            <a:prstGeom prst="line">
               <a:avLst/>
             </a:prstGeom>
-            <a:solidFill>
-              <a:schemeClr val="accent3">
-                <a:lumMod val="40000"/>
-                <a:lumOff val="60000"/>
-              </a:schemeClr>
-            </a:solidFill>
-            <a:ln>
-              <a:solidFill>
-                <a:srgbClr val="3A9A48"/>
-              </a:solidFill>
-            </a:ln>
-          </p:spPr>
-          <p:style>
-            <a:lnRef idx="2">
-              <a:schemeClr val="accent1">
-                <a:shade val="50000"/>
-              </a:schemeClr>
-            </a:lnRef>
-            <a:fillRef idx="1">
-              <a:schemeClr val="accent1"/>
-            </a:fillRef>
-            <a:effectRef idx="0">
-              <a:schemeClr val="accent1"/>
-            </a:effectRef>
-            <a:fontRef idx="minor">
-              <a:schemeClr val="lt1"/>
-            </a:fontRef>
-          </p:style>
-          <p:txBody>
-            <a:bodyPr rtlCol="0" anchor="ctr"/>
-            <a:lstStyle/>
-            <a:p>
-              <a:pPr algn="ctr"/>
-              <a:endParaRPr lang="en-US"/>
-            </a:p>
-          </p:txBody>
-        </p:sp>
-        <p:pic>
-          <p:nvPicPr>
-            <p:cNvPr id="58" name="Picture 4" descr="http://www.spacemax.it/wp-content/uploads/2010/01/1170_10658_gate2voip.png"/>
-            <p:cNvPicPr>
-              <a:picLocks noChangeAspect="1" noChangeArrowheads="1"/>
-            </p:cNvPicPr>
-            <p:nvPr/>
-          </p:nvPicPr>
-          <p:blipFill>
-            <a:blip r:embed="rId2">
-              <a:extLst>
-                <a:ext uri="{28A0092B-C50C-407E-A947-70E740481C1C}">
-                  <a14:useLocalDpi xmlns:a14="http://schemas.microsoft.com/office/drawing/2010/main" val="0"/>
-                </a:ext>
-              </a:extLst>
-            </a:blip>
-            <a:srcRect/>
-            <a:stretch>
-              <a:fillRect/>
-            </a:stretch>
-          </p:blipFill>
-          <p:spPr bwMode="auto">
-            <a:xfrm>
-              <a:off x="8968776" y="7814258"/>
-              <a:ext cx="3371845" cy="3249604"/>
-            </a:xfrm>
-            <a:prstGeom prst="rect">
-              <a:avLst/>
-            </a:prstGeom>
-            <a:noFill/>
-          </p:spPr>
-        </p:pic>
-        <p:pic>
-          <p:nvPicPr>
-            <p:cNvPr id="91" name="Picture 2" descr="http://www.flexgrid.it/ita/images/product/gateway.png"/>
-            <p:cNvPicPr>
-              <a:picLocks noChangeAspect="1" noChangeArrowheads="1"/>
-            </p:cNvPicPr>
-            <p:nvPr/>
-          </p:nvPicPr>
-          <p:blipFill>
-            <a:blip r:embed="rId3" cstate="print">
-              <a:extLst>
-                <a:ext uri="{28A0092B-C50C-407E-A947-70E740481C1C}">
-                  <a14:useLocalDpi xmlns:a14="http://schemas.microsoft.com/office/drawing/2010/main" val="0"/>
-                </a:ext>
-              </a:extLst>
-            </a:blip>
-            <a:srcRect/>
-            <a:stretch>
-              <a:fillRect/>
-            </a:stretch>
-          </p:blipFill>
-          <p:spPr bwMode="auto">
-            <a:xfrm>
-              <a:off x="7585522" y="9945913"/>
-              <a:ext cx="4282291" cy="2001071"/>
-            </a:xfrm>
-            <a:prstGeom prst="rect">
-              <a:avLst/>
-            </a:prstGeom>
-            <a:noFill/>
-            <a:extLst>
-              <a:ext uri="{909E8E84-426E-40DD-AFC4-6F175D3DCCD1}">
-                <a14:hiddenFill xmlns:a14="http://schemas.microsoft.com/office/drawing/2010/main">
-                  <a:solidFill>
-                    <a:srgbClr val="FFFFFF"/>
-                  </a:solidFill>
-                </a14:hiddenFill>
-              </a:ext>
-            </a:extLst>
-          </p:spPr>
-        </p:pic>
-        <p:sp>
-          <p:nvSpPr>
-            <p:cNvPr id="94" name="TextBox 93"/>
-            <p:cNvSpPr txBox="1"/>
-            <p:nvPr/>
-          </p:nvSpPr>
-          <p:spPr>
-            <a:xfrm>
-              <a:off x="9237623" y="11866471"/>
-              <a:ext cx="3330607" cy="1389638"/>
-            </a:xfrm>
-            <a:prstGeom prst="rect">
-              <a:avLst/>
-            </a:prstGeom>
-            <a:noFill/>
-          </p:spPr>
-          <p:txBody>
-            <a:bodyPr wrap="square" rtlCol="0">
-              <a:spAutoFit/>
-            </a:bodyPr>
-            <a:lstStyle/>
-            <a:p>
-              <a:r>
-                <a:rPr lang="en-US" sz="3200" b="1" dirty="0" smtClean="0">
-                  <a:solidFill>
-                    <a:srgbClr val="3A9A48"/>
-                  </a:solidFill>
-                </a:rPr>
-                <a:t>JEMMA</a:t>
-              </a:r>
-              <a:endParaRPr lang="en-US" sz="6600" b="1" dirty="0">
-                <a:solidFill>
-                  <a:srgbClr val="AAC73C"/>
-                </a:solidFill>
-              </a:endParaRPr>
-            </a:p>
-          </p:txBody>
-        </p:sp>
-        <p:pic>
-          <p:nvPicPr>
-            <p:cNvPr id="95" name="Picture 7" descr="http://medielettra.files.wordpress.com/2011/02/contatore-enel.jpg"/>
-            <p:cNvPicPr>
-              <a:picLocks noChangeAspect="1" noChangeArrowheads="1"/>
-            </p:cNvPicPr>
-            <p:nvPr/>
-          </p:nvPicPr>
-          <p:blipFill>
-            <a:blip r:embed="rId4">
-              <a:extLst>
-                <a:ext uri="{BEBA8EAE-BF5A-486C-A8C5-ECC9F3942E4B}">
-                  <a14:imgProps xmlns:a14="http://schemas.microsoft.com/office/drawing/2010/main">
-                    <a14:imgLayer r:embed="rId5">
-                      <a14:imgEffect>
-                        <a14:backgroundRemoval t="0" b="100000" l="0" r="100000"/>
-                      </a14:imgEffect>
-                    </a14:imgLayer>
-                  </a14:imgProps>
-                </a:ext>
-                <a:ext uri="{28A0092B-C50C-407E-A947-70E740481C1C}">
-                  <a14:useLocalDpi xmlns:a14="http://schemas.microsoft.com/office/drawing/2010/main" val="0"/>
-                </a:ext>
-              </a:extLst>
-            </a:blip>
-            <a:srcRect/>
-            <a:stretch>
-              <a:fillRect/>
-            </a:stretch>
-          </p:blipFill>
-          <p:spPr bwMode="auto">
-            <a:xfrm>
-              <a:off x="6611207" y="10616492"/>
-              <a:ext cx="1297616" cy="1628351"/>
-            </a:xfrm>
-            <a:prstGeom prst="rect">
-              <a:avLst/>
-            </a:prstGeom>
-            <a:noFill/>
-          </p:spPr>
-        </p:pic>
-        <p:pic>
-          <p:nvPicPr>
-            <p:cNvPr id="96" name="Picture 15"/>
-            <p:cNvPicPr>
-              <a:picLocks noChangeAspect="1" noChangeArrowheads="1"/>
-            </p:cNvPicPr>
-            <p:nvPr/>
-          </p:nvPicPr>
-          <p:blipFill>
-            <a:blip r:embed="rId6">
-              <a:extLst>
-                <a:ext uri="{28A0092B-C50C-407E-A947-70E740481C1C}">
-                  <a14:useLocalDpi xmlns:a14="http://schemas.microsoft.com/office/drawing/2010/main" val="0"/>
-                </a:ext>
-              </a:extLst>
-            </a:blip>
-            <a:srcRect/>
-            <a:stretch>
-              <a:fillRect/>
-            </a:stretch>
-          </p:blipFill>
-          <p:spPr bwMode="auto">
-            <a:xfrm>
-              <a:off x="1449521" y="9847666"/>
-              <a:ext cx="1190039" cy="1019591"/>
-            </a:xfrm>
-            <a:prstGeom prst="rect">
-              <a:avLst/>
-            </a:prstGeom>
-            <a:noFill/>
-            <a:ln w="9525">
-              <a:noFill/>
-              <a:miter lim="800000"/>
-              <a:headEnd/>
-              <a:tailEnd/>
-            </a:ln>
-            <a:effectLst/>
-          </p:spPr>
-        </p:pic>
-        <p:pic>
-          <p:nvPicPr>
-            <p:cNvPr id="97" name="Picture 14" descr="http://www.lg.com/it/home-appliances/images/lg_frigoriferi_GC-399SLQW_large.png"/>
-            <p:cNvPicPr>
-              <a:picLocks noChangeAspect="1" noChangeArrowheads="1"/>
-            </p:cNvPicPr>
-            <p:nvPr/>
-          </p:nvPicPr>
-          <p:blipFill>
-            <a:blip r:embed="rId7" cstate="screen">
-              <a:extLst>
-                <a:ext uri="{28A0092B-C50C-407E-A947-70E740481C1C}">
-                  <a14:useLocalDpi xmlns:a14="http://schemas.microsoft.com/office/drawing/2010/main" val="0"/>
-                </a:ext>
-              </a:extLst>
-            </a:blip>
-            <a:srcRect/>
-            <a:stretch>
-              <a:fillRect/>
-            </a:stretch>
-          </p:blipFill>
-          <p:spPr bwMode="auto">
-            <a:xfrm flipH="1">
-              <a:off x="2381657" y="8504802"/>
-              <a:ext cx="2782102" cy="3961834"/>
-            </a:xfrm>
-            <a:prstGeom prst="rect">
-              <a:avLst/>
-            </a:prstGeom>
-            <a:noFill/>
-          </p:spPr>
-        </p:pic>
-        <p:pic>
-          <p:nvPicPr>
-            <p:cNvPr id="98" name="Picture 19" descr="http://www.teleborsa.it/Speciali/Img/fotovoltaico.png"/>
-            <p:cNvPicPr>
-              <a:picLocks noChangeAspect="1" noChangeArrowheads="1"/>
-            </p:cNvPicPr>
-            <p:nvPr/>
-          </p:nvPicPr>
-          <p:blipFill>
-            <a:blip r:embed="rId8" cstate="email">
-              <a:extLst>
-                <a:ext uri="{28A0092B-C50C-407E-A947-70E740481C1C}">
-                  <a14:useLocalDpi xmlns:a14="http://schemas.microsoft.com/office/drawing/2010/main" val="0"/>
-                </a:ext>
-              </a:extLst>
-            </a:blip>
-            <a:srcRect/>
-            <a:stretch>
-              <a:fillRect/>
-            </a:stretch>
-          </p:blipFill>
-          <p:spPr bwMode="auto">
-            <a:xfrm rot="6119633">
-              <a:off x="4383133" y="5166957"/>
-              <a:ext cx="2025483" cy="1834735"/>
-            </a:xfrm>
-            <a:prstGeom prst="rect">
-              <a:avLst/>
-            </a:prstGeom>
-            <a:noFill/>
-            <a:scene3d>
-              <a:camera prst="isometricLeftDown"/>
-              <a:lightRig rig="threePt" dir="t"/>
-            </a:scene3d>
-          </p:spPr>
-        </p:pic>
-        <p:pic>
-          <p:nvPicPr>
-            <p:cNvPr id="99" name="Picture 17" descr="http://media-cloud.bestshopping.com/images/more/puntoluce/medium200/c49ddc1779796ace29728582dff0a97e-viw2068375.png"/>
-            <p:cNvPicPr>
-              <a:picLocks noChangeAspect="1" noChangeArrowheads="1"/>
-            </p:cNvPicPr>
-            <p:nvPr/>
-          </p:nvPicPr>
-          <p:blipFill>
-            <a:blip r:embed="rId9" cstate="screen">
-              <a:extLst>
-                <a:ext uri="{28A0092B-C50C-407E-A947-70E740481C1C}">
-                  <a14:useLocalDpi xmlns:a14="http://schemas.microsoft.com/office/drawing/2010/main" val="0"/>
-                </a:ext>
-              </a:extLst>
-            </a:blip>
-            <a:srcRect/>
-            <a:stretch>
-              <a:fillRect/>
-            </a:stretch>
-          </p:blipFill>
-          <p:spPr bwMode="auto">
-            <a:xfrm>
-              <a:off x="1438556" y="11374961"/>
-              <a:ext cx="1412032" cy="925743"/>
-            </a:xfrm>
-            <a:prstGeom prst="rect">
-              <a:avLst/>
-            </a:prstGeom>
-            <a:noFill/>
-          </p:spPr>
-        </p:pic>
-        <p:pic>
-          <p:nvPicPr>
-            <p:cNvPr id="100" name="Picture 97"/>
-            <p:cNvPicPr>
-              <a:picLocks noChangeAspect="1" noChangeArrowheads="1"/>
-            </p:cNvPicPr>
-            <p:nvPr/>
-          </p:nvPicPr>
-          <p:blipFill>
-            <a:blip r:embed="rId10" cstate="screen">
-              <a:extLst>
-                <a:ext uri="{28A0092B-C50C-407E-A947-70E740481C1C}">
-                  <a14:useLocalDpi xmlns:a14="http://schemas.microsoft.com/office/drawing/2010/main" val="0"/>
-                </a:ext>
-              </a:extLst>
-            </a:blip>
-            <a:srcRect/>
-            <a:stretch>
-              <a:fillRect/>
-            </a:stretch>
-          </p:blipFill>
-          <p:spPr bwMode="auto">
-            <a:xfrm>
-              <a:off x="4856176" y="8449962"/>
-              <a:ext cx="1485194" cy="1670845"/>
-            </a:xfrm>
-            <a:prstGeom prst="rect">
-              <a:avLst/>
-            </a:prstGeom>
-            <a:noFill/>
-            <a:ln w="19050">
-              <a:solidFill>
-                <a:schemeClr val="tx1"/>
-              </a:solidFill>
-              <a:miter lim="800000"/>
-              <a:headEnd/>
-              <a:tailEnd/>
-            </a:ln>
-          </p:spPr>
-        </p:pic>
-        <p:pic>
-          <p:nvPicPr>
-            <p:cNvPr id="101" name="Picture 2"/>
-            <p:cNvPicPr>
-              <a:picLocks noChangeAspect="1" noChangeArrowheads="1"/>
-            </p:cNvPicPr>
-            <p:nvPr/>
-          </p:nvPicPr>
-          <p:blipFill>
-            <a:blip r:embed="rId11">
-              <a:extLst>
-                <a:ext uri="{28A0092B-C50C-407E-A947-70E740481C1C}">
-                  <a14:useLocalDpi xmlns:a14="http://schemas.microsoft.com/office/drawing/2010/main" val="0"/>
-                </a:ext>
-              </a:extLst>
-            </a:blip>
-            <a:srcRect/>
-            <a:stretch>
-              <a:fillRect/>
-            </a:stretch>
-          </p:blipFill>
-          <p:spPr bwMode="auto">
-            <a:xfrm>
-              <a:off x="4657726" y="10394698"/>
-              <a:ext cx="2149877" cy="2071938"/>
-            </a:xfrm>
-            <a:prstGeom prst="rect">
-              <a:avLst/>
-            </a:prstGeom>
-            <a:noFill/>
-            <a:ln w="9525">
-              <a:noFill/>
-              <a:miter lim="800000"/>
-              <a:headEnd/>
-              <a:tailEnd/>
-            </a:ln>
-          </p:spPr>
-        </p:pic>
-        <p:pic>
-          <p:nvPicPr>
-            <p:cNvPr id="102" name="Picture 30" descr="Mostra immagine a dimensione intera">
-              <a:hlinkClick r:id="rId12"/>
-            </p:cNvPr>
-            <p:cNvPicPr>
-              <a:picLocks noChangeAspect="1" noChangeArrowheads="1"/>
-            </p:cNvPicPr>
-            <p:nvPr/>
-          </p:nvPicPr>
-          <p:blipFill>
-            <a:blip r:embed="rId13">
-              <a:extLst>
-                <a:ext uri="{BEBA8EAE-BF5A-486C-A8C5-ECC9F3942E4B}">
-                  <a14:imgProps xmlns:a14="http://schemas.microsoft.com/office/drawing/2010/main">
-                    <a14:imgLayer r:embed="rId14">
-                      <a14:imgEffect>
-                        <a14:backgroundRemoval t="0" b="100000" l="0" r="100000"/>
-                      </a14:imgEffect>
-                    </a14:imgLayer>
-                  </a14:imgProps>
-                </a:ext>
-                <a:ext uri="{28A0092B-C50C-407E-A947-70E740481C1C}">
-                  <a14:useLocalDpi xmlns:a14="http://schemas.microsoft.com/office/drawing/2010/main" val="0"/>
-                </a:ext>
-              </a:extLst>
-            </a:blip>
-            <a:srcRect/>
-            <a:stretch>
-              <a:fillRect/>
-            </a:stretch>
-          </p:blipFill>
-          <p:spPr bwMode="auto">
-            <a:xfrm>
-              <a:off x="5732664" y="6595858"/>
-              <a:ext cx="2620953" cy="1871977"/>
-            </a:xfrm>
-            <a:prstGeom prst="rect">
-              <a:avLst/>
-            </a:prstGeom>
-            <a:noFill/>
-            <a:ln w="9525">
-              <a:noFill/>
-              <a:miter lim="800000"/>
-              <a:headEnd/>
-              <a:tailEnd/>
-            </a:ln>
-          </p:spPr>
-        </p:pic>
-        <p:sp>
-          <p:nvSpPr>
-            <p:cNvPr id="103" name="Rounded Rectangle 102"/>
-            <p:cNvSpPr/>
-            <p:nvPr/>
-          </p:nvSpPr>
-          <p:spPr>
-            <a:xfrm>
-              <a:off x="9501203" y="10485719"/>
-              <a:ext cx="2652495" cy="1471002"/>
-            </a:xfrm>
-            <a:prstGeom prst="roundRect">
-              <a:avLst/>
-            </a:prstGeom>
-            <a:ln w="190500" cap="rnd">
+            <a:ln w="76200" cap="rnd">
               <a:solidFill>
                 <a:srgbClr val="AAC73C"/>
               </a:solidFill>
             </a:ln>
-            <a:effectLst/>
-          </p:spPr>
-          <p:style>
-            <a:lnRef idx="3">
-              <a:schemeClr val="accent3"/>
-            </a:lnRef>
-            <a:fillRef idx="0">
-              <a:schemeClr val="accent3"/>
-            </a:fillRef>
-            <a:effectRef idx="2">
-              <a:schemeClr val="accent3"/>
-            </a:effectRef>
-            <a:fontRef idx="minor">
-              <a:schemeClr val="tx1"/>
-            </a:fontRef>
-          </p:style>
-          <p:txBody>
-            <a:bodyPr rtlCol="0" anchor="ctr"/>
-            <a:lstStyle/>
-            <a:p>
-              <a:pPr algn="ctr"/>
-              <a:endParaRPr lang="en-US"/>
-            </a:p>
-          </p:txBody>
-        </p:sp>
-        <p:sp>
-          <p:nvSpPr>
-            <p:cNvPr id="104" name="Oval 103"/>
-            <p:cNvSpPr/>
-            <p:nvPr/>
-          </p:nvSpPr>
-          <p:spPr>
-            <a:xfrm>
-              <a:off x="11891410" y="11027502"/>
-              <a:ext cx="464233" cy="464233"/>
-            </a:xfrm>
-            <a:prstGeom prst="ellipse">
-              <a:avLst/>
-            </a:prstGeom>
-            <a:solidFill>
-              <a:srgbClr val="AAC73C"/>
-            </a:solidFill>
-            <a:ln>
-              <a:solidFill>
-                <a:srgbClr val="AAC73C"/>
-              </a:solidFill>
-            </a:ln>
-          </p:spPr>
-          <p:style>
-            <a:lnRef idx="2">
-              <a:schemeClr val="accent1">
-                <a:shade val="50000"/>
-              </a:schemeClr>
-            </a:lnRef>
-            <a:fillRef idx="1">
-              <a:schemeClr val="accent1"/>
-            </a:fillRef>
-            <a:effectRef idx="0">
-              <a:schemeClr val="accent1"/>
-            </a:effectRef>
-            <a:fontRef idx="minor">
-              <a:schemeClr val="lt1"/>
-            </a:fontRef>
-          </p:style>
-          <p:txBody>
-            <a:bodyPr rtlCol="0" anchor="ctr"/>
-            <a:lstStyle/>
-            <a:p>
-              <a:pPr algn="ctr"/>
-              <a:endParaRPr lang="en-US">
-                <a:solidFill>
-                  <a:srgbClr val="AAC73C"/>
-                </a:solidFill>
-              </a:endParaRPr>
-            </a:p>
-          </p:txBody>
-        </p:sp>
-        <p:sp>
-          <p:nvSpPr>
-            <p:cNvPr id="105" name="Oval 104"/>
-            <p:cNvSpPr/>
-            <p:nvPr/>
-          </p:nvSpPr>
-          <p:spPr>
-            <a:xfrm>
-              <a:off x="12833486" y="10946448"/>
-              <a:ext cx="464233" cy="464233"/>
-            </a:xfrm>
-            <a:prstGeom prst="ellipse">
-              <a:avLst/>
-            </a:prstGeom>
-            <a:solidFill>
-              <a:srgbClr val="AAC73C"/>
-            </a:solidFill>
-            <a:ln>
-              <a:solidFill>
-                <a:srgbClr val="AAC73C"/>
-              </a:solidFill>
-            </a:ln>
-          </p:spPr>
-          <p:style>
-            <a:lnRef idx="2">
-              <a:schemeClr val="accent1">
-                <a:shade val="50000"/>
-              </a:schemeClr>
-            </a:lnRef>
-            <a:fillRef idx="1">
-              <a:schemeClr val="accent1"/>
-            </a:fillRef>
-            <a:effectRef idx="0">
-              <a:schemeClr val="accent1"/>
-            </a:effectRef>
-            <a:fontRef idx="minor">
-              <a:schemeClr val="lt1"/>
-            </a:fontRef>
-          </p:style>
-          <p:txBody>
-            <a:bodyPr rtlCol="0" anchor="ctr"/>
-            <a:lstStyle/>
-            <a:p>
-              <a:pPr algn="ctr"/>
-              <a:endParaRPr lang="en-US">
-                <a:solidFill>
-                  <a:srgbClr val="AAC73C"/>
-                </a:solidFill>
-              </a:endParaRPr>
-            </a:p>
-          </p:txBody>
-        </p:sp>
-        <p:cxnSp>
-          <p:nvCxnSpPr>
-            <p:cNvPr id="106" name="Straight Connector 105"/>
-            <p:cNvCxnSpPr/>
-            <p:nvPr/>
-          </p:nvCxnSpPr>
-          <p:spPr>
-            <a:xfrm flipH="1">
-              <a:off x="12196822" y="11236795"/>
-              <a:ext cx="809523" cy="1"/>
-            </a:xfrm>
-            <a:prstGeom prst="line">
-              <a:avLst/>
-            </a:prstGeom>
-            <a:ln w="190500" cap="rnd">
-              <a:solidFill>
-                <a:srgbClr val="AAC73C"/>
-              </a:solidFill>
-            </a:ln>
-            <a:effectLst/>
+            <a:effectLst>
+              <a:outerShdw blurRad="50800" dist="241300" dir="2700000" algn="tl" rotWithShape="0">
+                <a:prstClr val="black">
+                  <a:alpha val="20000"/>
+                </a:prstClr>
+              </a:outerShdw>
+            </a:effectLst>
           </p:spPr>
           <p:style>
             <a:lnRef idx="3">
@@ -4655,67 +3420,904 @@
             </a:fontRef>
           </p:style>
         </p:cxnSp>
-        <p:pic>
-          <p:nvPicPr>
-            <p:cNvPr id="107" name="Picture 106"/>
-            <p:cNvPicPr>
-              <a:picLocks noChangeAspect="1"/>
-            </p:cNvPicPr>
+        <p:cxnSp>
+          <p:nvCxnSpPr>
+            <p:cNvPr id="90" name="Straight Connector 89"/>
+            <p:cNvCxnSpPr/>
             <p:nvPr/>
-          </p:nvPicPr>
-          <p:blipFill>
-            <a:blip r:embed="rId15">
-              <a:extLst>
-                <a:ext uri="{28A0092B-C50C-407E-A947-70E740481C1C}">
-                  <a14:useLocalDpi xmlns:a14="http://schemas.microsoft.com/office/drawing/2010/main" val="0"/>
-                </a:ext>
-              </a:extLst>
-            </a:blip>
-            <a:stretch>
-              <a:fillRect/>
-            </a:stretch>
-          </p:blipFill>
+          </p:nvCxnSpPr>
+          <p:spPr>
+            <a:xfrm flipH="1">
+              <a:off x="13396739" y="13954438"/>
+              <a:ext cx="1041077" cy="622765"/>
+            </a:xfrm>
+            <a:prstGeom prst="line">
+              <a:avLst/>
+            </a:prstGeom>
+            <a:ln w="76200" cap="rnd">
+              <a:solidFill>
+                <a:srgbClr val="AAC73C"/>
+              </a:solidFill>
+            </a:ln>
+            <a:effectLst>
+              <a:outerShdw blurRad="50800" dist="241300" dir="2700000" algn="tl" rotWithShape="0">
+                <a:prstClr val="black">
+                  <a:alpha val="20000"/>
+                </a:prstClr>
+              </a:outerShdw>
+            </a:effectLst>
+          </p:spPr>
+          <p:style>
+            <a:lnRef idx="3">
+              <a:schemeClr val="accent3"/>
+            </a:lnRef>
+            <a:fillRef idx="0">
+              <a:schemeClr val="accent3"/>
+            </a:fillRef>
+            <a:effectRef idx="2">
+              <a:schemeClr val="accent3"/>
+            </a:effectRef>
+            <a:fontRef idx="minor">
+              <a:schemeClr val="tx1"/>
+            </a:fontRef>
+          </p:style>
+        </p:cxnSp>
+        <p:cxnSp>
+          <p:nvCxnSpPr>
+            <p:cNvPr id="91" name="Straight Connector 90"/>
+            <p:cNvCxnSpPr/>
+            <p:nvPr/>
+          </p:nvCxnSpPr>
+          <p:spPr>
+            <a:xfrm flipH="1">
+              <a:off x="14437816" y="13138234"/>
+              <a:ext cx="697871" cy="0"/>
+            </a:xfrm>
+            <a:prstGeom prst="line">
+              <a:avLst/>
+            </a:prstGeom>
+            <a:ln w="76200" cap="rnd">
+              <a:solidFill>
+                <a:srgbClr val="AAC73C"/>
+              </a:solidFill>
+            </a:ln>
+            <a:effectLst>
+              <a:outerShdw blurRad="50800" dist="241300" dir="2700000" algn="tl" rotWithShape="0">
+                <a:prstClr val="black">
+                  <a:alpha val="20000"/>
+                </a:prstClr>
+              </a:outerShdw>
+            </a:effectLst>
+          </p:spPr>
+          <p:style>
+            <a:lnRef idx="3">
+              <a:schemeClr val="accent3"/>
+            </a:lnRef>
+            <a:fillRef idx="0">
+              <a:schemeClr val="accent3"/>
+            </a:fillRef>
+            <a:effectRef idx="2">
+              <a:schemeClr val="accent3"/>
+            </a:effectRef>
+            <a:fontRef idx="minor">
+              <a:schemeClr val="tx1"/>
+            </a:fontRef>
+          </p:style>
+        </p:cxnSp>
+        <p:cxnSp>
+          <p:nvCxnSpPr>
+            <p:cNvPr id="92" name="Straight Connector 91"/>
+            <p:cNvCxnSpPr/>
+            <p:nvPr/>
+          </p:nvCxnSpPr>
           <p:spPr>
             <a:xfrm>
-              <a:off x="5598773" y="346784"/>
-              <a:ext cx="4953404" cy="2927884"/>
+              <a:off x="15135687" y="13138234"/>
+              <a:ext cx="0" cy="440844"/>
             </a:xfrm>
-            <a:prstGeom prst="rect">
+            <a:prstGeom prst="line">
               <a:avLst/>
             </a:prstGeom>
+            <a:ln w="76200" cap="rnd">
+              <a:solidFill>
+                <a:srgbClr val="AAC73C"/>
+              </a:solidFill>
+            </a:ln>
+            <a:effectLst>
+              <a:outerShdw blurRad="50800" dist="241300" dir="2700000" algn="tl" rotWithShape="0">
+                <a:prstClr val="black">
+                  <a:alpha val="20000"/>
+                </a:prstClr>
+              </a:outerShdw>
+            </a:effectLst>
           </p:spPr>
-        </p:pic>
-        <p:pic>
-          <p:nvPicPr>
-            <p:cNvPr id="108" name="Picture 107"/>
-            <p:cNvPicPr>
-              <a:picLocks noChangeAspect="1"/>
-            </p:cNvPicPr>
+          <p:style>
+            <a:lnRef idx="3">
+              <a:schemeClr val="accent3"/>
+            </a:lnRef>
+            <a:fillRef idx="0">
+              <a:schemeClr val="accent3"/>
+            </a:fillRef>
+            <a:effectRef idx="2">
+              <a:schemeClr val="accent3"/>
+            </a:effectRef>
+            <a:fontRef idx="minor">
+              <a:schemeClr val="tx1"/>
+            </a:fontRef>
+          </p:style>
+        </p:cxnSp>
+        <p:cxnSp>
+          <p:nvCxnSpPr>
+            <p:cNvPr id="93" name="Straight Connector 92"/>
+            <p:cNvCxnSpPr/>
             <p:nvPr/>
-          </p:nvPicPr>
-          <p:blipFill>
-            <a:blip r:embed="rId16">
-              <a:extLst>
-                <a:ext uri="{28A0092B-C50C-407E-A947-70E740481C1C}">
-                  <a14:useLocalDpi xmlns:a14="http://schemas.microsoft.com/office/drawing/2010/main" val="0"/>
-                </a:ext>
-              </a:extLst>
-            </a:blip>
-            <a:stretch>
-              <a:fillRect/>
-            </a:stretch>
-          </p:blipFill>
+          </p:nvCxnSpPr>
+          <p:spPr>
+            <a:xfrm flipH="1">
+              <a:off x="15135687" y="12672055"/>
+              <a:ext cx="1770640" cy="932358"/>
+            </a:xfrm>
+            <a:prstGeom prst="line">
+              <a:avLst/>
+            </a:prstGeom>
+            <a:ln w="76200" cap="rnd">
+              <a:solidFill>
+                <a:srgbClr val="AAC73C"/>
+              </a:solidFill>
+            </a:ln>
+            <a:effectLst>
+              <a:outerShdw blurRad="50800" dist="241300" dir="2700000" algn="tl" rotWithShape="0">
+                <a:prstClr val="black">
+                  <a:alpha val="20000"/>
+                </a:prstClr>
+              </a:outerShdw>
+            </a:effectLst>
+          </p:spPr>
+          <p:style>
+            <a:lnRef idx="3">
+              <a:schemeClr val="accent3"/>
+            </a:lnRef>
+            <a:fillRef idx="0">
+              <a:schemeClr val="accent3"/>
+            </a:fillRef>
+            <a:effectRef idx="2">
+              <a:schemeClr val="accent3"/>
+            </a:effectRef>
+            <a:fontRef idx="minor">
+              <a:schemeClr val="tx1"/>
+            </a:fontRef>
+          </p:style>
+        </p:cxnSp>
+        <p:cxnSp>
+          <p:nvCxnSpPr>
+            <p:cNvPr id="94" name="Straight Connector 93"/>
+            <p:cNvCxnSpPr/>
+            <p:nvPr/>
+          </p:nvCxnSpPr>
           <p:spPr>
             <a:xfrm>
-              <a:off x="11434408" y="3864783"/>
-              <a:ext cx="5541429" cy="2922238"/>
+              <a:off x="16906327" y="12672055"/>
+              <a:ext cx="3411967" cy="1905148"/>
             </a:xfrm>
-            <a:prstGeom prst="rect">
+            <a:prstGeom prst="line">
               <a:avLst/>
             </a:prstGeom>
+            <a:ln w="76200" cap="rnd">
+              <a:solidFill>
+                <a:srgbClr val="AAC73C"/>
+              </a:solidFill>
+            </a:ln>
+            <a:effectLst>
+              <a:outerShdw blurRad="50800" dist="241300" dir="2700000" algn="tl" rotWithShape="0">
+                <a:prstClr val="black">
+                  <a:alpha val="20000"/>
+                </a:prstClr>
+              </a:outerShdw>
+            </a:effectLst>
           </p:spPr>
-        </p:pic>
+          <p:style>
+            <a:lnRef idx="3">
+              <a:schemeClr val="accent3"/>
+            </a:lnRef>
+            <a:fillRef idx="0">
+              <a:schemeClr val="accent3"/>
+            </a:fillRef>
+            <a:effectRef idx="2">
+              <a:schemeClr val="accent3"/>
+            </a:effectRef>
+            <a:fontRef idx="minor">
+              <a:schemeClr val="tx1"/>
+            </a:fontRef>
+          </p:style>
+        </p:cxnSp>
+        <p:cxnSp>
+          <p:nvCxnSpPr>
+            <p:cNvPr id="95" name="Straight Connector 94"/>
+            <p:cNvCxnSpPr/>
+            <p:nvPr/>
+          </p:nvCxnSpPr>
+          <p:spPr>
+            <a:xfrm>
+              <a:off x="13429704" y="14548315"/>
+              <a:ext cx="0" cy="1959824"/>
+            </a:xfrm>
+            <a:prstGeom prst="line">
+              <a:avLst/>
+            </a:prstGeom>
+            <a:ln w="76200" cap="rnd">
+              <a:solidFill>
+                <a:srgbClr val="AAC73C"/>
+              </a:solidFill>
+            </a:ln>
+            <a:effectLst>
+              <a:outerShdw blurRad="50800" dist="241300" dir="2700000" algn="tl" rotWithShape="0">
+                <a:prstClr val="black">
+                  <a:alpha val="20000"/>
+                </a:prstClr>
+              </a:outerShdw>
+            </a:effectLst>
+          </p:spPr>
+          <p:style>
+            <a:lnRef idx="3">
+              <a:schemeClr val="accent3"/>
+            </a:lnRef>
+            <a:fillRef idx="0">
+              <a:schemeClr val="accent3"/>
+            </a:fillRef>
+            <a:effectRef idx="2">
+              <a:schemeClr val="accent3"/>
+            </a:effectRef>
+            <a:fontRef idx="minor">
+              <a:schemeClr val="tx1"/>
+            </a:fontRef>
+          </p:style>
+        </p:cxnSp>
       </p:grpSp>
+      <p:sp>
+        <p:nvSpPr>
+          <p:cNvPr id="96" name="Oval 95"/>
+          <p:cNvSpPr/>
+          <p:nvPr/>
+        </p:nvSpPr>
+        <p:spPr>
+          <a:xfrm>
+            <a:off x="4210971" y="1593135"/>
+            <a:ext cx="227376" cy="195354"/>
+          </a:xfrm>
+          <a:prstGeom prst="ellipse">
+            <a:avLst/>
+          </a:prstGeom>
+          <a:solidFill>
+            <a:srgbClr val="AAC73C"/>
+          </a:solidFill>
+          <a:ln>
+            <a:solidFill>
+              <a:srgbClr val="AAC73C"/>
+            </a:solidFill>
+          </a:ln>
+        </p:spPr>
+        <p:style>
+          <a:lnRef idx="2">
+            <a:schemeClr val="accent1">
+              <a:shade val="50000"/>
+            </a:schemeClr>
+          </a:lnRef>
+          <a:fillRef idx="1">
+            <a:schemeClr val="accent1"/>
+          </a:fillRef>
+          <a:effectRef idx="0">
+            <a:schemeClr val="accent1"/>
+          </a:effectRef>
+          <a:fontRef idx="minor">
+            <a:schemeClr val="lt1"/>
+          </a:fontRef>
+        </p:style>
+        <p:txBody>
+          <a:bodyPr rtlCol="0" anchor="ctr"/>
+          <a:lstStyle/>
+          <a:p>
+            <a:pPr algn="ctr"/>
+            <a:endParaRPr lang="en-US">
+              <a:solidFill>
+                <a:srgbClr val="AAC73C"/>
+              </a:solidFill>
+            </a:endParaRPr>
+          </a:p>
+        </p:txBody>
+      </p:sp>
+      <p:sp>
+        <p:nvSpPr>
+          <p:cNvPr id="101" name="Cloud 100"/>
+          <p:cNvSpPr/>
+          <p:nvPr/>
+        </p:nvSpPr>
+        <p:spPr>
+          <a:xfrm rot="1461547">
+            <a:off x="3620049" y="528804"/>
+            <a:ext cx="3814763" cy="1743389"/>
+          </a:xfrm>
+          <a:prstGeom prst="cloud">
+            <a:avLst/>
+          </a:prstGeom>
+          <a:solidFill>
+            <a:schemeClr val="accent3">
+              <a:lumMod val="40000"/>
+              <a:lumOff val="60000"/>
+            </a:schemeClr>
+          </a:solidFill>
+          <a:ln>
+            <a:solidFill>
+              <a:srgbClr val="3A9A48"/>
+            </a:solidFill>
+          </a:ln>
+        </p:spPr>
+        <p:style>
+          <a:lnRef idx="2">
+            <a:schemeClr val="accent1">
+              <a:shade val="50000"/>
+            </a:schemeClr>
+          </a:lnRef>
+          <a:fillRef idx="1">
+            <a:schemeClr val="accent1"/>
+          </a:fillRef>
+          <a:effectRef idx="0">
+            <a:schemeClr val="accent1"/>
+          </a:effectRef>
+          <a:fontRef idx="minor">
+            <a:schemeClr val="lt1"/>
+          </a:fontRef>
+        </p:style>
+        <p:txBody>
+          <a:bodyPr rtlCol="0" anchor="ctr"/>
+          <a:lstStyle/>
+          <a:p>
+            <a:pPr algn="ctr"/>
+            <a:endParaRPr lang="en-US"/>
+          </a:p>
+        </p:txBody>
+      </p:sp>
+      <p:sp>
+        <p:nvSpPr>
+          <p:cNvPr id="102" name="TextBox 101"/>
+          <p:cNvSpPr txBox="1"/>
+          <p:nvPr/>
+        </p:nvSpPr>
+        <p:spPr>
+          <a:xfrm>
+            <a:off x="4140671" y="3799439"/>
+            <a:ext cx="1815453" cy="584775"/>
+          </a:xfrm>
+          <a:prstGeom prst="rect">
+            <a:avLst/>
+          </a:prstGeom>
+          <a:noFill/>
+        </p:spPr>
+        <p:txBody>
+          <a:bodyPr wrap="square" rtlCol="0">
+            <a:spAutoFit/>
+          </a:bodyPr>
+          <a:lstStyle/>
+          <a:p>
+            <a:r>
+              <a:rPr lang="en-US" sz="3200" b="1" dirty="0" smtClean="0">
+                <a:solidFill>
+                  <a:srgbClr val="3A9A48"/>
+                </a:solidFill>
+              </a:rPr>
+              <a:t>JEMMA</a:t>
+            </a:r>
+            <a:endParaRPr lang="en-US" sz="6600" b="1" dirty="0">
+              <a:solidFill>
+                <a:srgbClr val="AAC73C"/>
+              </a:solidFill>
+            </a:endParaRPr>
+          </a:p>
+        </p:txBody>
+      </p:sp>
+      <p:pic>
+        <p:nvPicPr>
+          <p:cNvPr id="103" name="Picture 7" descr="http://medielettra.files.wordpress.com/2011/02/contatore-enel.jpg"/>
+          <p:cNvPicPr>
+            <a:picLocks noChangeAspect="1" noChangeArrowheads="1"/>
+          </p:cNvPicPr>
+          <p:nvPr/>
+        </p:nvPicPr>
+        <p:blipFill>
+          <a:blip r:embed="rId2">
+            <a:extLst>
+              <a:ext uri="{BEBA8EAE-BF5A-486C-A8C5-ECC9F3942E4B}">
+                <a14:imgProps xmlns:a14="http://schemas.microsoft.com/office/drawing/2010/main">
+                  <a14:imgLayer r:embed="rId3">
+                    <a14:imgEffect>
+                      <a14:backgroundRemoval t="0" b="100000" l="0" r="100000"/>
+                    </a14:imgEffect>
+                  </a14:imgLayer>
+                </a14:imgProps>
+              </a:ext>
+              <a:ext uri="{28A0092B-C50C-407E-A947-70E740481C1C}">
+                <a14:useLocalDpi xmlns:a14="http://schemas.microsoft.com/office/drawing/2010/main" val="0"/>
+              </a:ext>
+            </a:extLst>
+          </a:blip>
+          <a:srcRect/>
+          <a:stretch>
+            <a:fillRect/>
+          </a:stretch>
+        </p:blipFill>
+        <p:spPr bwMode="auto">
+          <a:xfrm>
+            <a:off x="3169948" y="3414647"/>
+            <a:ext cx="635558" cy="685228"/>
+          </a:xfrm>
+          <a:prstGeom prst="rect">
+            <a:avLst/>
+          </a:prstGeom>
+          <a:noFill/>
+        </p:spPr>
+      </p:pic>
+      <p:pic>
+        <p:nvPicPr>
+          <p:cNvPr id="104" name="Picture 15"/>
+          <p:cNvPicPr>
+            <a:picLocks noChangeAspect="1" noChangeArrowheads="1"/>
+          </p:cNvPicPr>
+          <p:nvPr/>
+        </p:nvPicPr>
+        <p:blipFill>
+          <a:blip r:embed="rId4">
+            <a:extLst>
+              <a:ext uri="{28A0092B-C50C-407E-A947-70E740481C1C}">
+                <a14:useLocalDpi xmlns:a14="http://schemas.microsoft.com/office/drawing/2010/main" val="0"/>
+              </a:ext>
+            </a:extLst>
+          </a:blip>
+          <a:srcRect/>
+          <a:stretch>
+            <a:fillRect/>
+          </a:stretch>
+        </p:blipFill>
+        <p:spPr bwMode="auto">
+          <a:xfrm>
+            <a:off x="641811" y="3091116"/>
+            <a:ext cx="582868" cy="429055"/>
+          </a:xfrm>
+          <a:prstGeom prst="rect">
+            <a:avLst/>
+          </a:prstGeom>
+          <a:noFill/>
+          <a:ln w="9525">
+            <a:noFill/>
+            <a:miter lim="800000"/>
+            <a:headEnd/>
+            <a:tailEnd/>
+          </a:ln>
+          <a:effectLst/>
+        </p:spPr>
+      </p:pic>
+      <p:pic>
+        <p:nvPicPr>
+          <p:cNvPr id="105" name="Picture 14" descr="http://www.lg.com/it/home-appliances/images/lg_frigoriferi_GC-399SLQW_large.png"/>
+          <p:cNvPicPr>
+            <a:picLocks noChangeAspect="1" noChangeArrowheads="1"/>
+          </p:cNvPicPr>
+          <p:nvPr/>
+        </p:nvPicPr>
+        <p:blipFill>
+          <a:blip r:embed="rId5" cstate="screen">
+            <a:extLst>
+              <a:ext uri="{28A0092B-C50C-407E-A947-70E740481C1C}">
+                <a14:useLocalDpi xmlns:a14="http://schemas.microsoft.com/office/drawing/2010/main" val="0"/>
+              </a:ext>
+            </a:extLst>
+          </a:blip>
+          <a:srcRect/>
+          <a:stretch>
+            <a:fillRect/>
+          </a:stretch>
+        </p:blipFill>
+        <p:spPr bwMode="auto">
+          <a:xfrm flipH="1">
+            <a:off x="1098361" y="2526024"/>
+            <a:ext cx="1362643" cy="1667184"/>
+          </a:xfrm>
+          <a:prstGeom prst="rect">
+            <a:avLst/>
+          </a:prstGeom>
+          <a:noFill/>
+        </p:spPr>
+      </p:pic>
+      <p:pic>
+        <p:nvPicPr>
+          <p:cNvPr id="106" name="Picture 19" descr="http://www.teleborsa.it/Speciali/Img/fotovoltaico.png"/>
+          <p:cNvPicPr>
+            <a:picLocks noChangeAspect="1" noChangeArrowheads="1"/>
+          </p:cNvPicPr>
+          <p:nvPr/>
+        </p:nvPicPr>
+        <p:blipFill>
+          <a:blip r:embed="rId6" cstate="email">
+            <a:extLst>
+              <a:ext uri="{28A0092B-C50C-407E-A947-70E740481C1C}">
+                <a14:useLocalDpi xmlns:a14="http://schemas.microsoft.com/office/drawing/2010/main" val="0"/>
+              </a:ext>
+            </a:extLst>
+          </a:blip>
+          <a:srcRect/>
+          <a:stretch>
+            <a:fillRect/>
+          </a:stretch>
+        </p:blipFill>
+        <p:spPr bwMode="auto">
+          <a:xfrm rot="6119633">
+            <a:off x="913675" y="1058144"/>
+            <a:ext cx="852346" cy="898633"/>
+          </a:xfrm>
+          <a:prstGeom prst="rect">
+            <a:avLst/>
+          </a:prstGeom>
+          <a:noFill/>
+          <a:scene3d>
+            <a:camera prst="isometricLeftDown"/>
+            <a:lightRig rig="threePt" dir="t"/>
+          </a:scene3d>
+        </p:spPr>
+      </p:pic>
+      <p:pic>
+        <p:nvPicPr>
+          <p:cNvPr id="107" name="Picture 17" descr="http://media-cloud.bestshopping.com/images/more/puntoluce/medium200/c49ddc1779796ace29728582dff0a97e-viw2068375.png"/>
+          <p:cNvPicPr>
+            <a:picLocks noChangeAspect="1" noChangeArrowheads="1"/>
+          </p:cNvPicPr>
+          <p:nvPr/>
+        </p:nvPicPr>
+        <p:blipFill>
+          <a:blip r:embed="rId7" cstate="screen">
+            <a:extLst>
+              <a:ext uri="{28A0092B-C50C-407E-A947-70E740481C1C}">
+                <a14:useLocalDpi xmlns:a14="http://schemas.microsoft.com/office/drawing/2010/main" val="0"/>
+              </a:ext>
+            </a:extLst>
+          </a:blip>
+          <a:srcRect/>
+          <a:stretch>
+            <a:fillRect/>
+          </a:stretch>
+        </p:blipFill>
+        <p:spPr bwMode="auto">
+          <a:xfrm>
+            <a:off x="636441" y="3733819"/>
+            <a:ext cx="691598" cy="389563"/>
+          </a:xfrm>
+          <a:prstGeom prst="rect">
+            <a:avLst/>
+          </a:prstGeom>
+          <a:noFill/>
+        </p:spPr>
+      </p:pic>
+      <p:pic>
+        <p:nvPicPr>
+          <p:cNvPr id="108" name="Picture 97"/>
+          <p:cNvPicPr>
+            <a:picLocks noChangeAspect="1" noChangeArrowheads="1"/>
+          </p:cNvPicPr>
+          <p:nvPr/>
+        </p:nvPicPr>
+        <p:blipFill>
+          <a:blip r:embed="rId8" cstate="print">
+            <a:extLst>
+              <a:ext uri="{28A0092B-C50C-407E-A947-70E740481C1C}">
+                <a14:useLocalDpi xmlns:a14="http://schemas.microsoft.com/office/drawing/2010/main" val="0"/>
+              </a:ext>
+            </a:extLst>
+          </a:blip>
+          <a:srcRect/>
+          <a:stretch>
+            <a:fillRect/>
+          </a:stretch>
+        </p:blipFill>
+        <p:spPr bwMode="auto">
+          <a:xfrm>
+            <a:off x="2310353" y="2502947"/>
+            <a:ext cx="727431" cy="703110"/>
+          </a:xfrm>
+          <a:prstGeom prst="rect">
+            <a:avLst/>
+          </a:prstGeom>
+          <a:noFill/>
+          <a:ln w="19050">
+            <a:solidFill>
+              <a:schemeClr val="tx1"/>
+            </a:solidFill>
+            <a:miter lim="800000"/>
+            <a:headEnd/>
+            <a:tailEnd/>
+          </a:ln>
+        </p:spPr>
+      </p:pic>
+      <p:pic>
+        <p:nvPicPr>
+          <p:cNvPr id="109" name="Picture 2"/>
+          <p:cNvPicPr>
+            <a:picLocks noChangeAspect="1" noChangeArrowheads="1"/>
+          </p:cNvPicPr>
+          <p:nvPr/>
+        </p:nvPicPr>
+        <p:blipFill>
+          <a:blip r:embed="rId9">
+            <a:extLst>
+              <a:ext uri="{28A0092B-C50C-407E-A947-70E740481C1C}">
+                <a14:useLocalDpi xmlns:a14="http://schemas.microsoft.com/office/drawing/2010/main" val="0"/>
+              </a:ext>
+            </a:extLst>
+          </a:blip>
+          <a:srcRect/>
+          <a:stretch>
+            <a:fillRect/>
+          </a:stretch>
+        </p:blipFill>
+        <p:spPr bwMode="auto">
+          <a:xfrm>
+            <a:off x="2213154" y="3321314"/>
+            <a:ext cx="1052986" cy="871895"/>
+          </a:xfrm>
+          <a:prstGeom prst="rect">
+            <a:avLst/>
+          </a:prstGeom>
+          <a:noFill/>
+          <a:ln w="9525">
+            <a:noFill/>
+            <a:miter lim="800000"/>
+            <a:headEnd/>
+            <a:tailEnd/>
+          </a:ln>
+        </p:spPr>
+      </p:pic>
+      <p:pic>
+        <p:nvPicPr>
+          <p:cNvPr id="110" name="Picture 30" descr="Mostra immagine a dimensione intera">
+            <a:hlinkClick r:id="rId10"/>
+          </p:cNvPr>
+          <p:cNvPicPr>
+            <a:picLocks noChangeAspect="1" noChangeArrowheads="1"/>
+          </p:cNvPicPr>
+          <p:nvPr/>
+        </p:nvPicPr>
+        <p:blipFill>
+          <a:blip r:embed="rId11">
+            <a:extLst>
+              <a:ext uri="{BEBA8EAE-BF5A-486C-A8C5-ECC9F3942E4B}">
+                <a14:imgProps xmlns:a14="http://schemas.microsoft.com/office/drawing/2010/main">
+                  <a14:imgLayer r:embed="rId12">
+                    <a14:imgEffect>
+                      <a14:backgroundRemoval t="0" b="100000" l="0" r="100000"/>
+                    </a14:imgEffect>
+                  </a14:imgLayer>
+                </a14:imgProps>
+              </a:ext>
+              <a:ext uri="{28A0092B-C50C-407E-A947-70E740481C1C}">
+                <a14:useLocalDpi xmlns:a14="http://schemas.microsoft.com/office/drawing/2010/main" val="0"/>
+              </a:ext>
+            </a:extLst>
+          </a:blip>
+          <a:srcRect/>
+          <a:stretch>
+            <a:fillRect/>
+          </a:stretch>
+        </p:blipFill>
+        <p:spPr bwMode="auto">
+          <a:xfrm>
+            <a:off x="3123399" y="2609642"/>
+            <a:ext cx="728655" cy="447138"/>
+          </a:xfrm>
+          <a:prstGeom prst="rect">
+            <a:avLst/>
+          </a:prstGeom>
+          <a:noFill/>
+          <a:ln w="9525">
+            <a:noFill/>
+            <a:miter lim="800000"/>
+            <a:headEnd/>
+            <a:tailEnd/>
+          </a:ln>
+        </p:spPr>
+      </p:pic>
+      <p:sp>
+        <p:nvSpPr>
+          <p:cNvPr id="111" name="Oval 110"/>
+          <p:cNvSpPr/>
+          <p:nvPr/>
+        </p:nvSpPr>
+        <p:spPr>
+          <a:xfrm>
+            <a:off x="6217551" y="3553496"/>
+            <a:ext cx="227376" cy="195354"/>
+          </a:xfrm>
+          <a:prstGeom prst="ellipse">
+            <a:avLst/>
+          </a:prstGeom>
+          <a:solidFill>
+            <a:srgbClr val="AAC73C"/>
+          </a:solidFill>
+          <a:ln w="76200">
+            <a:solidFill>
+              <a:srgbClr val="AAC73C"/>
+            </a:solidFill>
+          </a:ln>
+        </p:spPr>
+        <p:style>
+          <a:lnRef idx="2">
+            <a:schemeClr val="accent1">
+              <a:shade val="50000"/>
+            </a:schemeClr>
+          </a:lnRef>
+          <a:fillRef idx="1">
+            <a:schemeClr val="accent1"/>
+          </a:fillRef>
+          <a:effectRef idx="0">
+            <a:schemeClr val="accent1"/>
+          </a:effectRef>
+          <a:fontRef idx="minor">
+            <a:schemeClr val="lt1"/>
+          </a:fontRef>
+        </p:style>
+        <p:txBody>
+          <a:bodyPr rtlCol="0" anchor="ctr"/>
+          <a:lstStyle/>
+          <a:p>
+            <a:pPr algn="ctr"/>
+            <a:endParaRPr lang="en-US">
+              <a:solidFill>
+                <a:srgbClr val="AAC73C"/>
+              </a:solidFill>
+            </a:endParaRPr>
+          </a:p>
+        </p:txBody>
+      </p:sp>
+      <p:pic>
+        <p:nvPicPr>
+          <p:cNvPr id="112" name="Picture 111"/>
+          <p:cNvPicPr>
+            <a:picLocks noChangeAspect="1"/>
+          </p:cNvPicPr>
+          <p:nvPr/>
+        </p:nvPicPr>
+        <p:blipFill>
+          <a:blip r:embed="rId13" cstate="print">
+            <a:extLst>
+              <a:ext uri="{28A0092B-C50C-407E-A947-70E740481C1C}">
+                <a14:useLocalDpi xmlns:a14="http://schemas.microsoft.com/office/drawing/2010/main" val="0"/>
+              </a:ext>
+            </a:extLst>
+          </a:blip>
+          <a:stretch>
+            <a:fillRect/>
+          </a:stretch>
+        </p:blipFill>
+        <p:spPr>
+          <a:xfrm>
+            <a:off x="4324659" y="544707"/>
+            <a:ext cx="2995592" cy="1357234"/>
+          </a:xfrm>
+          <a:prstGeom prst="rect">
+            <a:avLst/>
+          </a:prstGeom>
+        </p:spPr>
+      </p:pic>
+      <p:sp>
+        <p:nvSpPr>
+          <p:cNvPr id="113" name="TextBox 112"/>
+          <p:cNvSpPr txBox="1"/>
+          <p:nvPr/>
+        </p:nvSpPr>
+        <p:spPr>
+          <a:xfrm>
+            <a:off x="5255137" y="1916197"/>
+            <a:ext cx="2773966" cy="307777"/>
+          </a:xfrm>
+          <a:prstGeom prst="rect">
+            <a:avLst/>
+          </a:prstGeom>
+          <a:noFill/>
+        </p:spPr>
+        <p:txBody>
+          <a:bodyPr wrap="square" rtlCol="0">
+            <a:spAutoFit/>
+          </a:bodyPr>
+          <a:lstStyle/>
+          <a:p>
+            <a:r>
+              <a:rPr lang="en-US" sz="1400" b="1" dirty="0" smtClean="0"/>
+              <a:t>3</a:t>
+            </a:r>
+            <a:r>
+              <a:rPr lang="en-US" sz="1400" b="1" baseline="30000" dirty="0" smtClean="0"/>
+              <a:t>rd</a:t>
+            </a:r>
+            <a:r>
+              <a:rPr lang="en-US" sz="1400" b="1" dirty="0"/>
+              <a:t>-</a:t>
+            </a:r>
+            <a:r>
+              <a:rPr lang="en-US" sz="1400" b="1" dirty="0" smtClean="0"/>
+              <a:t>party cloud services</a:t>
+            </a:r>
+            <a:endParaRPr lang="en-US" sz="3600" b="1" dirty="0"/>
+          </a:p>
+        </p:txBody>
+      </p:sp>
+      <p:pic>
+        <p:nvPicPr>
+          <p:cNvPr id="114" name="Picture 2" descr="http://www.flexgrid.it/ita/images/product/gateway.png"/>
+          <p:cNvPicPr>
+            <a:picLocks noChangeAspect="1" noChangeArrowheads="1"/>
+          </p:cNvPicPr>
+          <p:nvPr/>
+        </p:nvPicPr>
+        <p:blipFill>
+          <a:blip r:embed="rId14" cstate="print">
+            <a:extLst>
+              <a:ext uri="{28A0092B-C50C-407E-A947-70E740481C1C}">
+                <a14:useLocalDpi xmlns:a14="http://schemas.microsoft.com/office/drawing/2010/main" val="0"/>
+              </a:ext>
+            </a:extLst>
+          </a:blip>
+          <a:srcRect/>
+          <a:stretch>
+            <a:fillRect/>
+          </a:stretch>
+        </p:blipFill>
+        <p:spPr bwMode="auto">
+          <a:xfrm>
+            <a:off x="3512008" y="2889762"/>
+            <a:ext cx="3004927" cy="1206420"/>
+          </a:xfrm>
+          <a:prstGeom prst="rect">
+            <a:avLst/>
+          </a:prstGeom>
+          <a:noFill/>
+          <a:extLst>
+            <a:ext uri="{909E8E84-426E-40DD-AFC4-6F175D3DCCD1}">
+              <a14:hiddenFill xmlns:a14="http://schemas.microsoft.com/office/drawing/2010/main">
+                <a:solidFill>
+                  <a:srgbClr val="FFFFFF"/>
+                </a:solidFill>
+              </a14:hiddenFill>
+            </a:ext>
+          </a:extLst>
+        </p:spPr>
+      </p:pic>
+      <p:pic>
+        <p:nvPicPr>
+          <p:cNvPr id="115" name="Picture 4" descr="http://www.spacemax.it/wp-content/uploads/2010/01/1170_10658_gate2voip.png"/>
+          <p:cNvPicPr>
+            <a:picLocks noChangeAspect="1" noChangeArrowheads="1"/>
+          </p:cNvPicPr>
+          <p:nvPr/>
+        </p:nvPicPr>
+        <p:blipFill>
+          <a:blip r:embed="rId15">
+            <a:extLst>
+              <a:ext uri="{28A0092B-C50C-407E-A947-70E740481C1C}">
+                <a14:useLocalDpi xmlns:a14="http://schemas.microsoft.com/office/drawing/2010/main" val="0"/>
+              </a:ext>
+            </a:extLst>
+          </a:blip>
+          <a:srcRect/>
+          <a:stretch>
+            <a:fillRect/>
+          </a:stretch>
+        </p:blipFill>
+        <p:spPr bwMode="auto">
+          <a:xfrm>
+            <a:off x="4697853" y="2347905"/>
+            <a:ext cx="1419915" cy="1175719"/>
+          </a:xfrm>
+          <a:prstGeom prst="rect">
+            <a:avLst/>
+          </a:prstGeom>
+          <a:noFill/>
+        </p:spPr>
+      </p:pic>
     </p:spTree>
     <p:extLst>
       <p:ext uri="{BB962C8B-B14F-4D97-AF65-F5344CB8AC3E}">
